--- a/docs/PROYECTO ATHOS.pptx
+++ b/docs/PROYECTO ATHOS.pptx
@@ -12,22 +12,23 @@
     <p:sldId id="294" r:id="rId6"/>
     <p:sldId id="297" r:id="rId7"/>
     <p:sldId id="272" r:id="rId8"/>
-    <p:sldId id="271" r:id="rId9"/>
-    <p:sldId id="286" r:id="rId10"/>
-    <p:sldId id="298" r:id="rId11"/>
-    <p:sldId id="287" r:id="rId12"/>
-    <p:sldId id="273" r:id="rId13"/>
-    <p:sldId id="290" r:id="rId14"/>
-    <p:sldId id="275" r:id="rId15"/>
-    <p:sldId id="276" r:id="rId16"/>
-    <p:sldId id="277" r:id="rId17"/>
-    <p:sldId id="295" r:id="rId18"/>
-    <p:sldId id="285" r:id="rId19"/>
-    <p:sldId id="279" r:id="rId20"/>
-    <p:sldId id="288" r:id="rId21"/>
-    <p:sldId id="296" r:id="rId22"/>
-    <p:sldId id="278" r:id="rId23"/>
-    <p:sldId id="291" r:id="rId24"/>
+    <p:sldId id="299" r:id="rId9"/>
+    <p:sldId id="271" r:id="rId10"/>
+    <p:sldId id="286" r:id="rId11"/>
+    <p:sldId id="298" r:id="rId12"/>
+    <p:sldId id="287" r:id="rId13"/>
+    <p:sldId id="273" r:id="rId14"/>
+    <p:sldId id="290" r:id="rId15"/>
+    <p:sldId id="275" r:id="rId16"/>
+    <p:sldId id="276" r:id="rId17"/>
+    <p:sldId id="277" r:id="rId18"/>
+    <p:sldId id="295" r:id="rId19"/>
+    <p:sldId id="285" r:id="rId20"/>
+    <p:sldId id="279" r:id="rId21"/>
+    <p:sldId id="288" r:id="rId22"/>
+    <p:sldId id="296" r:id="rId23"/>
+    <p:sldId id="278" r:id="rId24"/>
+    <p:sldId id="291" r:id="rId25"/>
   </p:sldIdLst>
   <p:sldSz cx="12192000" cy="6858000"/>
   <p:notesSz cx="6858000" cy="9144000"/>
@@ -263,7 +264,7 @@
           <a:p>
             <a:fld id="{6DEDD7DF-FECA-426C-B2DF-5A771E1719FD}" type="datetimeFigureOut">
               <a:rPr lang="en-US" smtClean="0"/>
-              <a:t>11/10/2019</a:t>
+              <a:t>11/11/2019</a:t>
             </a:fld>
             <a:endParaRPr lang="en-US"/>
           </a:p>
@@ -305,7 +306,7 @@
           <a:p>
             <a:fld id="{B9C6486E-5C13-4842-996C-B482F0091C6F}" type="slidenum">
               <a:rPr lang="en-US" smtClean="0"/>
-              <a:t>‹Nº›</a:t>
+              <a:t>‹#›</a:t>
             </a:fld>
             <a:endParaRPr lang="en-US"/>
           </a:p>
@@ -431,7 +432,7 @@
           <a:p>
             <a:fld id="{6DEDD7DF-FECA-426C-B2DF-5A771E1719FD}" type="datetimeFigureOut">
               <a:rPr lang="en-US" smtClean="0"/>
-              <a:t>11/10/2019</a:t>
+              <a:t>11/11/2019</a:t>
             </a:fld>
             <a:endParaRPr lang="en-US"/>
           </a:p>
@@ -473,7 +474,7 @@
           <a:p>
             <a:fld id="{B9C6486E-5C13-4842-996C-B482F0091C6F}" type="slidenum">
               <a:rPr lang="en-US" smtClean="0"/>
-              <a:t>‹Nº›</a:t>
+              <a:t>‹#›</a:t>
             </a:fld>
             <a:endParaRPr lang="en-US"/>
           </a:p>
@@ -609,7 +610,7 @@
           <a:p>
             <a:fld id="{6DEDD7DF-FECA-426C-B2DF-5A771E1719FD}" type="datetimeFigureOut">
               <a:rPr lang="en-US" smtClean="0"/>
-              <a:t>11/10/2019</a:t>
+              <a:t>11/11/2019</a:t>
             </a:fld>
             <a:endParaRPr lang="en-US"/>
           </a:p>
@@ -651,7 +652,7 @@
           <a:p>
             <a:fld id="{B9C6486E-5C13-4842-996C-B482F0091C6F}" type="slidenum">
               <a:rPr lang="en-US" smtClean="0"/>
-              <a:t>‹Nº›</a:t>
+              <a:t>‹#›</a:t>
             </a:fld>
             <a:endParaRPr lang="en-US"/>
           </a:p>
@@ -777,7 +778,7 @@
           <a:p>
             <a:fld id="{6DEDD7DF-FECA-426C-B2DF-5A771E1719FD}" type="datetimeFigureOut">
               <a:rPr lang="en-US" smtClean="0"/>
-              <a:t>11/10/2019</a:t>
+              <a:t>11/11/2019</a:t>
             </a:fld>
             <a:endParaRPr lang="en-US"/>
           </a:p>
@@ -819,7 +820,7 @@
           <a:p>
             <a:fld id="{B9C6486E-5C13-4842-996C-B482F0091C6F}" type="slidenum">
               <a:rPr lang="en-US" smtClean="0"/>
-              <a:t>‹Nº›</a:t>
+              <a:t>‹#›</a:t>
             </a:fld>
             <a:endParaRPr lang="en-US"/>
           </a:p>
@@ -1022,7 +1023,7 @@
           <a:p>
             <a:fld id="{6DEDD7DF-FECA-426C-B2DF-5A771E1719FD}" type="datetimeFigureOut">
               <a:rPr lang="en-US" smtClean="0"/>
-              <a:t>11/10/2019</a:t>
+              <a:t>11/11/2019</a:t>
             </a:fld>
             <a:endParaRPr lang="en-US"/>
           </a:p>
@@ -1064,7 +1065,7 @@
           <a:p>
             <a:fld id="{B9C6486E-5C13-4842-996C-B482F0091C6F}" type="slidenum">
               <a:rPr lang="en-US" smtClean="0"/>
-              <a:t>‹Nº›</a:t>
+              <a:t>‹#›</a:t>
             </a:fld>
             <a:endParaRPr lang="en-US"/>
           </a:p>
@@ -1251,7 +1252,7 @@
           <a:p>
             <a:fld id="{6DEDD7DF-FECA-426C-B2DF-5A771E1719FD}" type="datetimeFigureOut">
               <a:rPr lang="en-US" smtClean="0"/>
-              <a:t>11/10/2019</a:t>
+              <a:t>11/11/2019</a:t>
             </a:fld>
             <a:endParaRPr lang="en-US"/>
           </a:p>
@@ -1293,7 +1294,7 @@
           <a:p>
             <a:fld id="{B9C6486E-5C13-4842-996C-B482F0091C6F}" type="slidenum">
               <a:rPr lang="en-US" smtClean="0"/>
-              <a:t>‹Nº›</a:t>
+              <a:t>‹#›</a:t>
             </a:fld>
             <a:endParaRPr lang="en-US"/>
           </a:p>
@@ -1615,7 +1616,7 @@
           <a:p>
             <a:fld id="{6DEDD7DF-FECA-426C-B2DF-5A771E1719FD}" type="datetimeFigureOut">
               <a:rPr lang="en-US" smtClean="0"/>
-              <a:t>11/10/2019</a:t>
+              <a:t>11/11/2019</a:t>
             </a:fld>
             <a:endParaRPr lang="en-US"/>
           </a:p>
@@ -1657,7 +1658,7 @@
           <a:p>
             <a:fld id="{B9C6486E-5C13-4842-996C-B482F0091C6F}" type="slidenum">
               <a:rPr lang="en-US" smtClean="0"/>
-              <a:t>‹Nº›</a:t>
+              <a:t>‹#›</a:t>
             </a:fld>
             <a:endParaRPr lang="en-US"/>
           </a:p>
@@ -1732,7 +1733,7 @@
           <a:p>
             <a:fld id="{6DEDD7DF-FECA-426C-B2DF-5A771E1719FD}" type="datetimeFigureOut">
               <a:rPr lang="en-US" smtClean="0"/>
-              <a:t>11/10/2019</a:t>
+              <a:t>11/11/2019</a:t>
             </a:fld>
             <a:endParaRPr lang="en-US"/>
           </a:p>
@@ -1774,7 +1775,7 @@
           <a:p>
             <a:fld id="{B9C6486E-5C13-4842-996C-B482F0091C6F}" type="slidenum">
               <a:rPr lang="en-US" smtClean="0"/>
-              <a:t>‹Nº›</a:t>
+              <a:t>‹#›</a:t>
             </a:fld>
             <a:endParaRPr lang="en-US"/>
           </a:p>
@@ -1827,7 +1828,7 @@
           <a:p>
             <a:fld id="{6DEDD7DF-FECA-426C-B2DF-5A771E1719FD}" type="datetimeFigureOut">
               <a:rPr lang="en-US" smtClean="0"/>
-              <a:t>11/10/2019</a:t>
+              <a:t>11/11/2019</a:t>
             </a:fld>
             <a:endParaRPr lang="en-US"/>
           </a:p>
@@ -1869,7 +1870,7 @@
           <a:p>
             <a:fld id="{B9C6486E-5C13-4842-996C-B482F0091C6F}" type="slidenum">
               <a:rPr lang="en-US" smtClean="0"/>
-              <a:t>‹Nº›</a:t>
+              <a:t>‹#›</a:t>
             </a:fld>
             <a:endParaRPr lang="en-US"/>
           </a:p>
@@ -2102,7 +2103,7 @@
           <a:p>
             <a:fld id="{6DEDD7DF-FECA-426C-B2DF-5A771E1719FD}" type="datetimeFigureOut">
               <a:rPr lang="en-US" smtClean="0"/>
-              <a:t>11/10/2019</a:t>
+              <a:t>11/11/2019</a:t>
             </a:fld>
             <a:endParaRPr lang="en-US"/>
           </a:p>
@@ -2144,7 +2145,7 @@
           <a:p>
             <a:fld id="{B9C6486E-5C13-4842-996C-B482F0091C6F}" type="slidenum">
               <a:rPr lang="en-US" smtClean="0"/>
-              <a:t>‹Nº›</a:t>
+              <a:t>‹#›</a:t>
             </a:fld>
             <a:endParaRPr lang="en-US"/>
           </a:p>
@@ -2357,7 +2358,7 @@
           <a:p>
             <a:fld id="{6DEDD7DF-FECA-426C-B2DF-5A771E1719FD}" type="datetimeFigureOut">
               <a:rPr lang="en-US" smtClean="0"/>
-              <a:t>11/10/2019</a:t>
+              <a:t>11/11/2019</a:t>
             </a:fld>
             <a:endParaRPr lang="en-US"/>
           </a:p>
@@ -2399,7 +2400,7 @@
           <a:p>
             <a:fld id="{B9C6486E-5C13-4842-996C-B482F0091C6F}" type="slidenum">
               <a:rPr lang="en-US" smtClean="0"/>
-              <a:t>‹Nº›</a:t>
+              <a:t>‹#›</a:t>
             </a:fld>
             <a:endParaRPr lang="en-US"/>
           </a:p>
@@ -2568,7 +2569,7 @@
           <a:p>
             <a:fld id="{6DEDD7DF-FECA-426C-B2DF-5A771E1719FD}" type="datetimeFigureOut">
               <a:rPr lang="en-US" smtClean="0"/>
-              <a:t>11/10/2019</a:t>
+              <a:t>11/11/2019</a:t>
             </a:fld>
             <a:endParaRPr lang="en-US"/>
           </a:p>
@@ -2646,7 +2647,7 @@
           <a:p>
             <a:fld id="{B9C6486E-5C13-4842-996C-B482F0091C6F}" type="slidenum">
               <a:rPr lang="en-US" smtClean="0"/>
-              <a:t>‹Nº›</a:t>
+              <a:t>‹#›</a:t>
             </a:fld>
             <a:endParaRPr lang="en-US"/>
           </a:p>
@@ -2995,7 +2996,7 @@
         </p:blipFill>
         <p:spPr>
           <a:xfrm rot="5400000">
-            <a:off x="835648" y="-1762076"/>
+            <a:off x="791259" y="-1762076"/>
             <a:ext cx="9625263" cy="13125359"/>
           </a:xfrm>
           <a:prstGeom prst="rect">
@@ -3105,10 +3106,10 @@
       </p:grpSpPr>
       <p:pic>
         <p:nvPicPr>
-          <p:cNvPr id="6" name="Picture 3">
+          <p:cNvPr id="8" name="Picture 3">
             <a:extLst>
               <a:ext uri="{FF2B5EF4-FFF2-40B4-BE49-F238E27FC236}">
-                <a16:creationId xmlns:a16="http://schemas.microsoft.com/office/drawing/2014/main" id="{44BD2908-AF70-438C-B270-972499BE8F76}"/>
+                <a16:creationId xmlns:a16="http://schemas.microsoft.com/office/drawing/2014/main" id="{0571B662-43FF-4F0D-BB32-D722512D5E1D}"/>
               </a:ext>
             </a:extLst>
           </p:cNvPr>
@@ -3220,71 +3221,34 @@
           </a:p>
         </p:txBody>
       </p:sp>
-      <p:sp>
-        <p:nvSpPr>
-          <p:cNvPr id="8" name="Title 1"/>
-          <p:cNvSpPr txBox="1">
-            <a:spLocks/>
-          </p:cNvSpPr>
-          <p:nvPr/>
-        </p:nvSpPr>
-        <p:spPr>
-          <a:xfrm>
-            <a:off x="646111" y="2103437"/>
-            <a:ext cx="10515600" cy="1325563"/>
-          </a:xfrm>
-          <a:prstGeom prst="rect">
-            <a:avLst/>
-          </a:prstGeom>
-        </p:spPr>
-        <p:txBody>
-          <a:bodyPr vert="horz" lIns="91440" tIns="45720" rIns="91440" bIns="45720" rtlCol="0" anchor="b">
-            <a:normAutofit/>
-          </a:bodyPr>
-          <a:lstStyle>
-            <a:lvl1pPr algn="ctr" defTabSz="914400" rtl="0" eaLnBrk="1" latinLnBrk="0" hangingPunct="1">
-              <a:lnSpc>
-                <a:spcPct val="90000"/>
-              </a:lnSpc>
-              <a:spcBef>
-                <a:spcPct val="0"/>
-              </a:spcBef>
-              <a:buNone/>
-              <a:defRPr sz="6000" kern="1200">
-                <a:solidFill>
-                  <a:schemeClr val="tx1"/>
-                </a:solidFill>
-                <a:latin typeface="+mj-lt"/>
-                <a:ea typeface="+mj-ea"/>
-                <a:cs typeface="+mj-cs"/>
-              </a:defRPr>
-            </a:lvl1pPr>
-          </a:lstStyle>
-          <a:p>
-            <a:r>
-              <a:rPr lang="es-AR" sz="5200" dirty="0">
-                <a:solidFill>
-                  <a:srgbClr val="C77C0E"/>
-                </a:solidFill>
-                <a:latin typeface="Calibri Light" panose="020F0302020204030204" pitchFamily="34" charset="0"/>
-                <a:cs typeface="Calibri Light" panose="020F0302020204030204" pitchFamily="34" charset="0"/>
-              </a:rPr>
-              <a:t>Planificación del Proyecto</a:t>
-            </a:r>
-            <a:endParaRPr lang="en-US" sz="5200" dirty="0">
-              <a:solidFill>
-                <a:srgbClr val="C77C0E"/>
-              </a:solidFill>
-              <a:latin typeface="Calibri Light" panose="020F0302020204030204" pitchFamily="34" charset="0"/>
-              <a:cs typeface="Calibri Light" panose="020F0302020204030204" pitchFamily="34" charset="0"/>
-            </a:endParaRPr>
-          </a:p>
-        </p:txBody>
-      </p:sp>
+      <p:pic>
+        <p:nvPicPr>
+          <p:cNvPr id="3" name="Picture 2"/>
+          <p:cNvPicPr>
+            <a:picLocks noChangeAspect="1"/>
+          </p:cNvPicPr>
+          <p:nvPr/>
+        </p:nvPicPr>
+        <p:blipFill>
+          <a:blip r:embed="rId4"/>
+          <a:stretch>
+            <a:fillRect/>
+          </a:stretch>
+        </p:blipFill>
+        <p:spPr>
+          <a:xfrm>
+            <a:off x="2463879" y="1365678"/>
+            <a:ext cx="7264240" cy="4878104"/>
+          </a:xfrm>
+          <a:prstGeom prst="rect">
+            <a:avLst/>
+          </a:prstGeom>
+        </p:spPr>
+      </p:pic>
     </p:spTree>
     <p:extLst>
       <p:ext uri="{BB962C8B-B14F-4D97-AF65-F5344CB8AC3E}">
-        <p14:creationId xmlns:p14="http://schemas.microsoft.com/office/powerpoint/2010/main" val="197444540"/>
+        <p14:creationId xmlns:p14="http://schemas.microsoft.com/office/powerpoint/2010/main" val="650837601"/>
       </p:ext>
     </p:extLst>
   </p:cSld>
@@ -3313,10 +3277,10 @@
       </p:grpSpPr>
       <p:pic>
         <p:nvPicPr>
-          <p:cNvPr id="8" name="Picture 3">
+          <p:cNvPr id="6" name="Picture 3">
             <a:extLst>
               <a:ext uri="{FF2B5EF4-FFF2-40B4-BE49-F238E27FC236}">
-                <a16:creationId xmlns:a16="http://schemas.microsoft.com/office/drawing/2014/main" id="{E46145C1-B125-4834-8B0F-3F17F4BD4CE7}"/>
+                <a16:creationId xmlns:a16="http://schemas.microsoft.com/office/drawing/2014/main" id="{44BD2908-AF70-438C-B270-972499BE8F76}"/>
               </a:ext>
             </a:extLst>
           </p:cNvPr>
@@ -3430,7 +3394,7 @@
       </p:sp>
       <p:sp>
         <p:nvSpPr>
-          <p:cNvPr id="6" name="Title 1"/>
+          <p:cNvPr id="8" name="Title 1"/>
           <p:cNvSpPr txBox="1">
             <a:spLocks/>
           </p:cNvSpPr>
@@ -3438,8 +3402,8 @@
         </p:nvSpPr>
         <p:spPr>
           <a:xfrm>
-            <a:off x="646112" y="365126"/>
-            <a:ext cx="10707688" cy="1836653"/>
+            <a:off x="646111" y="2103437"/>
+            <a:ext cx="10515600" cy="1325563"/>
           </a:xfrm>
           <a:prstGeom prst="rect">
             <a:avLst/>
@@ -3469,31 +3433,17 @@
             </a:lvl1pPr>
           </a:lstStyle>
           <a:p>
-            <a:pPr algn="l"/>
-            <a:r>
-              <a:rPr lang="es-AR" dirty="0">
+            <a:r>
+              <a:rPr lang="es-AR" sz="5200" dirty="0">
                 <a:solidFill>
                   <a:srgbClr val="C77C0E"/>
                 </a:solidFill>
                 <a:latin typeface="Calibri Light" panose="020F0302020204030204" pitchFamily="34" charset="0"/>
                 <a:cs typeface="Calibri Light" panose="020F0302020204030204" pitchFamily="34" charset="0"/>
               </a:rPr>
-              <a:t>Metodología</a:t>
-            </a:r>
-          </a:p>
-          <a:p>
-            <a:pPr algn="l"/>
-            <a:r>
-              <a:rPr lang="es-AR" dirty="0">
-                <a:solidFill>
-                  <a:srgbClr val="C77C0E"/>
-                </a:solidFill>
-                <a:latin typeface="Calibri Light" panose="020F0302020204030204" pitchFamily="34" charset="0"/>
-                <a:cs typeface="Calibri Light" panose="020F0302020204030204" pitchFamily="34" charset="0"/>
-              </a:rPr>
-              <a:t>Implementada</a:t>
-            </a:r>
-            <a:endParaRPr lang="en-US" dirty="0">
+              <a:t>Planificación del Proyecto</a:t>
+            </a:r>
+            <a:endParaRPr lang="en-US" sz="5200" dirty="0">
               <a:solidFill>
                 <a:srgbClr val="C77C0E"/>
               </a:solidFill>
@@ -3503,247 +3453,10 @@
           </a:p>
         </p:txBody>
       </p:sp>
-      <p:sp>
-        <p:nvSpPr>
-          <p:cNvPr id="9" name="Content Placeholder 2">
-            <a:extLst>
-              <a:ext uri="{FF2B5EF4-FFF2-40B4-BE49-F238E27FC236}">
-                <a16:creationId xmlns:a16="http://schemas.microsoft.com/office/drawing/2014/main" id="{A2D8D068-294A-49A5-8C2F-815BD85106AC}"/>
-              </a:ext>
-            </a:extLst>
-          </p:cNvPr>
-          <p:cNvSpPr txBox="1">
-            <a:spLocks/>
-          </p:cNvSpPr>
-          <p:nvPr/>
-        </p:nvSpPr>
-        <p:spPr>
-          <a:xfrm>
-            <a:off x="646111" y="2340090"/>
-            <a:ext cx="9332803" cy="3903692"/>
-          </a:xfrm>
-          <a:prstGeom prst="rect">
-            <a:avLst/>
-          </a:prstGeom>
-        </p:spPr>
-        <p:txBody>
-          <a:bodyPr vert="horz" lIns="91440" tIns="45720" rIns="91440" bIns="45720" rtlCol="0">
-            <a:normAutofit/>
-          </a:bodyPr>
-          <a:lstStyle>
-            <a:lvl1pPr marL="0" indent="0" algn="ctr" defTabSz="914400" rtl="0" eaLnBrk="1" latinLnBrk="0" hangingPunct="1">
-              <a:lnSpc>
-                <a:spcPct val="90000"/>
-              </a:lnSpc>
-              <a:spcBef>
-                <a:spcPts val="1000"/>
-              </a:spcBef>
-              <a:buFont typeface="Arial" panose="020B0604020202020204" pitchFamily="34" charset="0"/>
-              <a:buNone/>
-              <a:defRPr sz="2400" kern="1200">
-                <a:solidFill>
-                  <a:schemeClr val="tx1"/>
-                </a:solidFill>
-                <a:latin typeface="+mn-lt"/>
-                <a:ea typeface="+mn-ea"/>
-                <a:cs typeface="+mn-cs"/>
-              </a:defRPr>
-            </a:lvl1pPr>
-            <a:lvl2pPr marL="457200" indent="0" algn="ctr" defTabSz="914400" rtl="0" eaLnBrk="1" latinLnBrk="0" hangingPunct="1">
-              <a:lnSpc>
-                <a:spcPct val="90000"/>
-              </a:lnSpc>
-              <a:spcBef>
-                <a:spcPts val="500"/>
-              </a:spcBef>
-              <a:buFont typeface="Arial" panose="020B0604020202020204" pitchFamily="34" charset="0"/>
-              <a:buNone/>
-              <a:defRPr sz="2000" kern="1200">
-                <a:solidFill>
-                  <a:schemeClr val="tx1"/>
-                </a:solidFill>
-                <a:latin typeface="+mn-lt"/>
-                <a:ea typeface="+mn-ea"/>
-                <a:cs typeface="+mn-cs"/>
-              </a:defRPr>
-            </a:lvl2pPr>
-            <a:lvl3pPr marL="914400" indent="0" algn="ctr" defTabSz="914400" rtl="0" eaLnBrk="1" latinLnBrk="0" hangingPunct="1">
-              <a:lnSpc>
-                <a:spcPct val="90000"/>
-              </a:lnSpc>
-              <a:spcBef>
-                <a:spcPts val="500"/>
-              </a:spcBef>
-              <a:buFont typeface="Arial" panose="020B0604020202020204" pitchFamily="34" charset="0"/>
-              <a:buNone/>
-              <a:defRPr sz="1800" kern="1200">
-                <a:solidFill>
-                  <a:schemeClr val="tx1"/>
-                </a:solidFill>
-                <a:latin typeface="+mn-lt"/>
-                <a:ea typeface="+mn-ea"/>
-                <a:cs typeface="+mn-cs"/>
-              </a:defRPr>
-            </a:lvl3pPr>
-            <a:lvl4pPr marL="1371600" indent="0" algn="ctr" defTabSz="914400" rtl="0" eaLnBrk="1" latinLnBrk="0" hangingPunct="1">
-              <a:lnSpc>
-                <a:spcPct val="90000"/>
-              </a:lnSpc>
-              <a:spcBef>
-                <a:spcPts val="500"/>
-              </a:spcBef>
-              <a:buFont typeface="Arial" panose="020B0604020202020204" pitchFamily="34" charset="0"/>
-              <a:buNone/>
-              <a:defRPr sz="1600" kern="1200">
-                <a:solidFill>
-                  <a:schemeClr val="tx1"/>
-                </a:solidFill>
-                <a:latin typeface="+mn-lt"/>
-                <a:ea typeface="+mn-ea"/>
-                <a:cs typeface="+mn-cs"/>
-              </a:defRPr>
-            </a:lvl4pPr>
-            <a:lvl5pPr marL="1828800" indent="0" algn="ctr" defTabSz="914400" rtl="0" eaLnBrk="1" latinLnBrk="0" hangingPunct="1">
-              <a:lnSpc>
-                <a:spcPct val="90000"/>
-              </a:lnSpc>
-              <a:spcBef>
-                <a:spcPts val="500"/>
-              </a:spcBef>
-              <a:buFont typeface="Arial" panose="020B0604020202020204" pitchFamily="34" charset="0"/>
-              <a:buNone/>
-              <a:defRPr sz="1600" kern="1200">
-                <a:solidFill>
-                  <a:schemeClr val="tx1"/>
-                </a:solidFill>
-                <a:latin typeface="+mn-lt"/>
-                <a:ea typeface="+mn-ea"/>
-                <a:cs typeface="+mn-cs"/>
-              </a:defRPr>
-            </a:lvl5pPr>
-            <a:lvl6pPr marL="2286000" indent="0" algn="ctr" defTabSz="914400" rtl="0" eaLnBrk="1" latinLnBrk="0" hangingPunct="1">
-              <a:lnSpc>
-                <a:spcPct val="90000"/>
-              </a:lnSpc>
-              <a:spcBef>
-                <a:spcPts val="500"/>
-              </a:spcBef>
-              <a:buFont typeface="Arial" panose="020B0604020202020204" pitchFamily="34" charset="0"/>
-              <a:buNone/>
-              <a:defRPr sz="1600" kern="1200">
-                <a:solidFill>
-                  <a:schemeClr val="tx1"/>
-                </a:solidFill>
-                <a:latin typeface="+mn-lt"/>
-                <a:ea typeface="+mn-ea"/>
-                <a:cs typeface="+mn-cs"/>
-              </a:defRPr>
-            </a:lvl6pPr>
-            <a:lvl7pPr marL="2743200" indent="0" algn="ctr" defTabSz="914400" rtl="0" eaLnBrk="1" latinLnBrk="0" hangingPunct="1">
-              <a:lnSpc>
-                <a:spcPct val="90000"/>
-              </a:lnSpc>
-              <a:spcBef>
-                <a:spcPts val="500"/>
-              </a:spcBef>
-              <a:buFont typeface="Arial" panose="020B0604020202020204" pitchFamily="34" charset="0"/>
-              <a:buNone/>
-              <a:defRPr sz="1600" kern="1200">
-                <a:solidFill>
-                  <a:schemeClr val="tx1"/>
-                </a:solidFill>
-                <a:latin typeface="+mn-lt"/>
-                <a:ea typeface="+mn-ea"/>
-                <a:cs typeface="+mn-cs"/>
-              </a:defRPr>
-            </a:lvl7pPr>
-            <a:lvl8pPr marL="3200400" indent="0" algn="ctr" defTabSz="914400" rtl="0" eaLnBrk="1" latinLnBrk="0" hangingPunct="1">
-              <a:lnSpc>
-                <a:spcPct val="90000"/>
-              </a:lnSpc>
-              <a:spcBef>
-                <a:spcPts val="500"/>
-              </a:spcBef>
-              <a:buFont typeface="Arial" panose="020B0604020202020204" pitchFamily="34" charset="0"/>
-              <a:buNone/>
-              <a:defRPr sz="1600" kern="1200">
-                <a:solidFill>
-                  <a:schemeClr val="tx1"/>
-                </a:solidFill>
-                <a:latin typeface="+mn-lt"/>
-                <a:ea typeface="+mn-ea"/>
-                <a:cs typeface="+mn-cs"/>
-              </a:defRPr>
-            </a:lvl8pPr>
-            <a:lvl9pPr marL="3657600" indent="0" algn="ctr" defTabSz="914400" rtl="0" eaLnBrk="1" latinLnBrk="0" hangingPunct="1">
-              <a:lnSpc>
-                <a:spcPct val="90000"/>
-              </a:lnSpc>
-              <a:spcBef>
-                <a:spcPts val="500"/>
-              </a:spcBef>
-              <a:buFont typeface="Arial" panose="020B0604020202020204" pitchFamily="34" charset="0"/>
-              <a:buNone/>
-              <a:defRPr sz="1600" kern="1200">
-                <a:solidFill>
-                  <a:schemeClr val="tx1"/>
-                </a:solidFill>
-                <a:latin typeface="+mn-lt"/>
-                <a:ea typeface="+mn-ea"/>
-                <a:cs typeface="+mn-cs"/>
-              </a:defRPr>
-            </a:lvl9pPr>
-          </a:lstStyle>
-          <a:p>
-            <a:pPr marL="342900" indent="-342900" algn="l">
-              <a:buFont typeface="Arial" panose="020B0604020202020204" pitchFamily="34" charset="0"/>
-              <a:buChar char="•"/>
-            </a:pPr>
-            <a:r>
-              <a:rPr lang="es-AR" sz="3200" dirty="0"/>
-              <a:t>Etapa inicial: Relevamiento y especificaciones.</a:t>
-            </a:r>
-          </a:p>
-          <a:p>
-            <a:pPr marL="342900" indent="-342900" algn="l">
-              <a:buFont typeface="Arial" panose="020B0604020202020204" pitchFamily="34" charset="0"/>
-              <a:buChar char="•"/>
-            </a:pPr>
-            <a:endParaRPr lang="es-AR" sz="3200" dirty="0"/>
-          </a:p>
-          <a:p>
-            <a:pPr marL="342900" indent="-342900" algn="l">
-              <a:buFont typeface="Arial" panose="020B0604020202020204" pitchFamily="34" charset="0"/>
-              <a:buChar char="•"/>
-            </a:pPr>
-            <a:r>
-              <a:rPr lang="es-AR" sz="3200" dirty="0"/>
-              <a:t>Etapa de Construcción y Desarrollo: Autogestión mediante Trello y versionado por GIT.</a:t>
-            </a:r>
-          </a:p>
-          <a:p>
-            <a:pPr marL="342900" indent="-342900" algn="l">
-              <a:buFont typeface="Arial" panose="020B0604020202020204" pitchFamily="34" charset="0"/>
-              <a:buChar char="•"/>
-            </a:pPr>
-            <a:endParaRPr lang="es-AR" sz="3200" dirty="0"/>
-          </a:p>
-          <a:p>
-            <a:pPr marL="342900" indent="-342900" algn="l">
-              <a:buFont typeface="Arial" panose="020B0604020202020204" pitchFamily="34" charset="0"/>
-              <a:buChar char="•"/>
-            </a:pPr>
-            <a:r>
-              <a:rPr lang="es-AR" sz="3200" dirty="0"/>
-              <a:t>Etapa de Cierre: Beta del producto y retrospectiva del proyecto.</a:t>
-            </a:r>
-          </a:p>
-        </p:txBody>
-      </p:sp>
     </p:spTree>
     <p:extLst>
       <p:ext uri="{BB962C8B-B14F-4D97-AF65-F5344CB8AC3E}">
-        <p14:creationId xmlns:p14="http://schemas.microsoft.com/office/powerpoint/2010/main" val="2717936034"/>
+        <p14:creationId xmlns:p14="http://schemas.microsoft.com/office/powerpoint/2010/main" val="197444540"/>
       </p:ext>
     </p:extLst>
   </p:cSld>
@@ -3772,10 +3485,10 @@
       </p:grpSpPr>
       <p:pic>
         <p:nvPicPr>
-          <p:cNvPr id="9" name="Picture 3">
+          <p:cNvPr id="8" name="Picture 3">
             <a:extLst>
               <a:ext uri="{FF2B5EF4-FFF2-40B4-BE49-F238E27FC236}">
-                <a16:creationId xmlns:a16="http://schemas.microsoft.com/office/drawing/2014/main" id="{1D65E3D5-A2ED-4B4E-8971-B10A91EAF267}"/>
+                <a16:creationId xmlns:a16="http://schemas.microsoft.com/office/drawing/2014/main" id="{E46145C1-B125-4834-8B0F-3F17F4BD4CE7}"/>
               </a:ext>
             </a:extLst>
           </p:cNvPr>
@@ -3808,30 +3521,6 @@
       </p:pic>
       <p:pic>
         <p:nvPicPr>
-          <p:cNvPr id="10" name="Picture 9"/>
-          <p:cNvPicPr>
-            <a:picLocks noChangeAspect="1"/>
-          </p:cNvPicPr>
-          <p:nvPr/>
-        </p:nvPicPr>
-        <p:blipFill>
-          <a:blip r:embed="rId3"/>
-          <a:stretch>
-            <a:fillRect/>
-          </a:stretch>
-        </p:blipFill>
-        <p:spPr>
-          <a:xfrm>
-            <a:off x="1729874" y="1696454"/>
-            <a:ext cx="8732250" cy="4305184"/>
-          </a:xfrm>
-          <a:prstGeom prst="rect">
-            <a:avLst/>
-          </a:prstGeom>
-        </p:spPr>
-      </p:pic>
-      <p:pic>
-        <p:nvPicPr>
           <p:cNvPr id="5" name="Picture 4"/>
           <p:cNvPicPr>
             <a:picLocks noChangeAspect="1"/>
@@ -3839,7 +3528,7 @@
           <p:nvPr/>
         </p:nvPicPr>
         <p:blipFill>
-          <a:blip r:embed="rId4" cstate="print">
+          <a:blip r:embed="rId3" cstate="print">
             <a:extLst>
               <a:ext uri="{28A0092B-C50C-407E-A947-70E740481C1C}">
                 <a14:useLocalDpi xmlns:a14="http://schemas.microsoft.com/office/drawing/2010/main" val="0"/>
@@ -3913,7 +3602,7 @@
       </p:sp>
       <p:sp>
         <p:nvSpPr>
-          <p:cNvPr id="8" name="Title 1"/>
+          <p:cNvPr id="6" name="Title 1"/>
           <p:cNvSpPr txBox="1">
             <a:spLocks/>
           </p:cNvSpPr>
@@ -3921,8 +3610,8 @@
         </p:nvSpPr>
         <p:spPr>
           <a:xfrm>
-            <a:off x="646111" y="0"/>
-            <a:ext cx="10515600" cy="1034473"/>
+            <a:off x="646112" y="365126"/>
+            <a:ext cx="10707688" cy="1836653"/>
           </a:xfrm>
           <a:prstGeom prst="rect">
             <a:avLst/>
@@ -3952,22 +3641,31 @@
             </a:lvl1pPr>
           </a:lstStyle>
           <a:p>
-            <a:pPr algn="l">
-              <a:lnSpc>
-                <a:spcPct val="70000"/>
-              </a:lnSpc>
-            </a:pPr>
-            <a:r>
-              <a:rPr lang="es-AR" sz="5200" dirty="0">
+            <a:pPr algn="l"/>
+            <a:r>
+              <a:rPr lang="es-AR" dirty="0">
                 <a:solidFill>
                   <a:srgbClr val="C77C0E"/>
                 </a:solidFill>
                 <a:latin typeface="Calibri Light" panose="020F0302020204030204" pitchFamily="34" charset="0"/>
                 <a:cs typeface="Calibri Light" panose="020F0302020204030204" pitchFamily="34" charset="0"/>
               </a:rPr>
-              <a:t>Riesgos del proyecto</a:t>
-            </a:r>
-            <a:endParaRPr lang="en-US" sz="5200" dirty="0">
+              <a:t>Metodología</a:t>
+            </a:r>
+          </a:p>
+          <a:p>
+            <a:pPr algn="l"/>
+            <a:r>
+              <a:rPr lang="es-AR" dirty="0">
+                <a:solidFill>
+                  <a:srgbClr val="C77C0E"/>
+                </a:solidFill>
+                <a:latin typeface="Calibri Light" panose="020F0302020204030204" pitchFamily="34" charset="0"/>
+                <a:cs typeface="Calibri Light" panose="020F0302020204030204" pitchFamily="34" charset="0"/>
+              </a:rPr>
+              <a:t>Implementada</a:t>
+            </a:r>
+            <a:endParaRPr lang="en-US" dirty="0">
               <a:solidFill>
                 <a:srgbClr val="C77C0E"/>
               </a:solidFill>
@@ -3977,10 +3675,247 @@
           </a:p>
         </p:txBody>
       </p:sp>
+      <p:sp>
+        <p:nvSpPr>
+          <p:cNvPr id="9" name="Content Placeholder 2">
+            <a:extLst>
+              <a:ext uri="{FF2B5EF4-FFF2-40B4-BE49-F238E27FC236}">
+                <a16:creationId xmlns:a16="http://schemas.microsoft.com/office/drawing/2014/main" id="{A2D8D068-294A-49A5-8C2F-815BD85106AC}"/>
+              </a:ext>
+            </a:extLst>
+          </p:cNvPr>
+          <p:cNvSpPr txBox="1">
+            <a:spLocks/>
+          </p:cNvSpPr>
+          <p:nvPr/>
+        </p:nvSpPr>
+        <p:spPr>
+          <a:xfrm>
+            <a:off x="646111" y="2340090"/>
+            <a:ext cx="9332803" cy="3903692"/>
+          </a:xfrm>
+          <a:prstGeom prst="rect">
+            <a:avLst/>
+          </a:prstGeom>
+        </p:spPr>
+        <p:txBody>
+          <a:bodyPr vert="horz" lIns="91440" tIns="45720" rIns="91440" bIns="45720" rtlCol="0">
+            <a:normAutofit/>
+          </a:bodyPr>
+          <a:lstStyle>
+            <a:lvl1pPr marL="0" indent="0" algn="ctr" defTabSz="914400" rtl="0" eaLnBrk="1" latinLnBrk="0" hangingPunct="1">
+              <a:lnSpc>
+                <a:spcPct val="90000"/>
+              </a:lnSpc>
+              <a:spcBef>
+                <a:spcPts val="1000"/>
+              </a:spcBef>
+              <a:buFont typeface="Arial" panose="020B0604020202020204" pitchFamily="34" charset="0"/>
+              <a:buNone/>
+              <a:defRPr sz="2400" kern="1200">
+                <a:solidFill>
+                  <a:schemeClr val="tx1"/>
+                </a:solidFill>
+                <a:latin typeface="+mn-lt"/>
+                <a:ea typeface="+mn-ea"/>
+                <a:cs typeface="+mn-cs"/>
+              </a:defRPr>
+            </a:lvl1pPr>
+            <a:lvl2pPr marL="457200" indent="0" algn="ctr" defTabSz="914400" rtl="0" eaLnBrk="1" latinLnBrk="0" hangingPunct="1">
+              <a:lnSpc>
+                <a:spcPct val="90000"/>
+              </a:lnSpc>
+              <a:spcBef>
+                <a:spcPts val="500"/>
+              </a:spcBef>
+              <a:buFont typeface="Arial" panose="020B0604020202020204" pitchFamily="34" charset="0"/>
+              <a:buNone/>
+              <a:defRPr sz="2000" kern="1200">
+                <a:solidFill>
+                  <a:schemeClr val="tx1"/>
+                </a:solidFill>
+                <a:latin typeface="+mn-lt"/>
+                <a:ea typeface="+mn-ea"/>
+                <a:cs typeface="+mn-cs"/>
+              </a:defRPr>
+            </a:lvl2pPr>
+            <a:lvl3pPr marL="914400" indent="0" algn="ctr" defTabSz="914400" rtl="0" eaLnBrk="1" latinLnBrk="0" hangingPunct="1">
+              <a:lnSpc>
+                <a:spcPct val="90000"/>
+              </a:lnSpc>
+              <a:spcBef>
+                <a:spcPts val="500"/>
+              </a:spcBef>
+              <a:buFont typeface="Arial" panose="020B0604020202020204" pitchFamily="34" charset="0"/>
+              <a:buNone/>
+              <a:defRPr sz="1800" kern="1200">
+                <a:solidFill>
+                  <a:schemeClr val="tx1"/>
+                </a:solidFill>
+                <a:latin typeface="+mn-lt"/>
+                <a:ea typeface="+mn-ea"/>
+                <a:cs typeface="+mn-cs"/>
+              </a:defRPr>
+            </a:lvl3pPr>
+            <a:lvl4pPr marL="1371600" indent="0" algn="ctr" defTabSz="914400" rtl="0" eaLnBrk="1" latinLnBrk="0" hangingPunct="1">
+              <a:lnSpc>
+                <a:spcPct val="90000"/>
+              </a:lnSpc>
+              <a:spcBef>
+                <a:spcPts val="500"/>
+              </a:spcBef>
+              <a:buFont typeface="Arial" panose="020B0604020202020204" pitchFamily="34" charset="0"/>
+              <a:buNone/>
+              <a:defRPr sz="1600" kern="1200">
+                <a:solidFill>
+                  <a:schemeClr val="tx1"/>
+                </a:solidFill>
+                <a:latin typeface="+mn-lt"/>
+                <a:ea typeface="+mn-ea"/>
+                <a:cs typeface="+mn-cs"/>
+              </a:defRPr>
+            </a:lvl4pPr>
+            <a:lvl5pPr marL="1828800" indent="0" algn="ctr" defTabSz="914400" rtl="0" eaLnBrk="1" latinLnBrk="0" hangingPunct="1">
+              <a:lnSpc>
+                <a:spcPct val="90000"/>
+              </a:lnSpc>
+              <a:spcBef>
+                <a:spcPts val="500"/>
+              </a:spcBef>
+              <a:buFont typeface="Arial" panose="020B0604020202020204" pitchFamily="34" charset="0"/>
+              <a:buNone/>
+              <a:defRPr sz="1600" kern="1200">
+                <a:solidFill>
+                  <a:schemeClr val="tx1"/>
+                </a:solidFill>
+                <a:latin typeface="+mn-lt"/>
+                <a:ea typeface="+mn-ea"/>
+                <a:cs typeface="+mn-cs"/>
+              </a:defRPr>
+            </a:lvl5pPr>
+            <a:lvl6pPr marL="2286000" indent="0" algn="ctr" defTabSz="914400" rtl="0" eaLnBrk="1" latinLnBrk="0" hangingPunct="1">
+              <a:lnSpc>
+                <a:spcPct val="90000"/>
+              </a:lnSpc>
+              <a:spcBef>
+                <a:spcPts val="500"/>
+              </a:spcBef>
+              <a:buFont typeface="Arial" panose="020B0604020202020204" pitchFamily="34" charset="0"/>
+              <a:buNone/>
+              <a:defRPr sz="1600" kern="1200">
+                <a:solidFill>
+                  <a:schemeClr val="tx1"/>
+                </a:solidFill>
+                <a:latin typeface="+mn-lt"/>
+                <a:ea typeface="+mn-ea"/>
+                <a:cs typeface="+mn-cs"/>
+              </a:defRPr>
+            </a:lvl6pPr>
+            <a:lvl7pPr marL="2743200" indent="0" algn="ctr" defTabSz="914400" rtl="0" eaLnBrk="1" latinLnBrk="0" hangingPunct="1">
+              <a:lnSpc>
+                <a:spcPct val="90000"/>
+              </a:lnSpc>
+              <a:spcBef>
+                <a:spcPts val="500"/>
+              </a:spcBef>
+              <a:buFont typeface="Arial" panose="020B0604020202020204" pitchFamily="34" charset="0"/>
+              <a:buNone/>
+              <a:defRPr sz="1600" kern="1200">
+                <a:solidFill>
+                  <a:schemeClr val="tx1"/>
+                </a:solidFill>
+                <a:latin typeface="+mn-lt"/>
+                <a:ea typeface="+mn-ea"/>
+                <a:cs typeface="+mn-cs"/>
+              </a:defRPr>
+            </a:lvl7pPr>
+            <a:lvl8pPr marL="3200400" indent="0" algn="ctr" defTabSz="914400" rtl="0" eaLnBrk="1" latinLnBrk="0" hangingPunct="1">
+              <a:lnSpc>
+                <a:spcPct val="90000"/>
+              </a:lnSpc>
+              <a:spcBef>
+                <a:spcPts val="500"/>
+              </a:spcBef>
+              <a:buFont typeface="Arial" panose="020B0604020202020204" pitchFamily="34" charset="0"/>
+              <a:buNone/>
+              <a:defRPr sz="1600" kern="1200">
+                <a:solidFill>
+                  <a:schemeClr val="tx1"/>
+                </a:solidFill>
+                <a:latin typeface="+mn-lt"/>
+                <a:ea typeface="+mn-ea"/>
+                <a:cs typeface="+mn-cs"/>
+              </a:defRPr>
+            </a:lvl8pPr>
+            <a:lvl9pPr marL="3657600" indent="0" algn="ctr" defTabSz="914400" rtl="0" eaLnBrk="1" latinLnBrk="0" hangingPunct="1">
+              <a:lnSpc>
+                <a:spcPct val="90000"/>
+              </a:lnSpc>
+              <a:spcBef>
+                <a:spcPts val="500"/>
+              </a:spcBef>
+              <a:buFont typeface="Arial" panose="020B0604020202020204" pitchFamily="34" charset="0"/>
+              <a:buNone/>
+              <a:defRPr sz="1600" kern="1200">
+                <a:solidFill>
+                  <a:schemeClr val="tx1"/>
+                </a:solidFill>
+                <a:latin typeface="+mn-lt"/>
+                <a:ea typeface="+mn-ea"/>
+                <a:cs typeface="+mn-cs"/>
+              </a:defRPr>
+            </a:lvl9pPr>
+          </a:lstStyle>
+          <a:p>
+            <a:pPr marL="342900" indent="-342900" algn="l">
+              <a:buFont typeface="Arial" panose="020B0604020202020204" pitchFamily="34" charset="0"/>
+              <a:buChar char="•"/>
+            </a:pPr>
+            <a:r>
+              <a:rPr lang="es-AR" sz="3200" dirty="0"/>
+              <a:t>Etapa inicial: Relevamiento y especificaciones.</a:t>
+            </a:r>
+          </a:p>
+          <a:p>
+            <a:pPr marL="342900" indent="-342900" algn="l">
+              <a:buFont typeface="Arial" panose="020B0604020202020204" pitchFamily="34" charset="0"/>
+              <a:buChar char="•"/>
+            </a:pPr>
+            <a:endParaRPr lang="es-AR" sz="3200" dirty="0"/>
+          </a:p>
+          <a:p>
+            <a:pPr marL="342900" indent="-342900" algn="l">
+              <a:buFont typeface="Arial" panose="020B0604020202020204" pitchFamily="34" charset="0"/>
+              <a:buChar char="•"/>
+            </a:pPr>
+            <a:r>
+              <a:rPr lang="es-AR" sz="3200" dirty="0"/>
+              <a:t>Etapa de Construcción y Desarrollo: Autogestión mediante Trello y versionado por GIT.</a:t>
+            </a:r>
+          </a:p>
+          <a:p>
+            <a:pPr marL="342900" indent="-342900" algn="l">
+              <a:buFont typeface="Arial" panose="020B0604020202020204" pitchFamily="34" charset="0"/>
+              <a:buChar char="•"/>
+            </a:pPr>
+            <a:endParaRPr lang="es-AR" sz="3200" dirty="0"/>
+          </a:p>
+          <a:p>
+            <a:pPr marL="342900" indent="-342900" algn="l">
+              <a:buFont typeface="Arial" panose="020B0604020202020204" pitchFamily="34" charset="0"/>
+              <a:buChar char="•"/>
+            </a:pPr>
+            <a:r>
+              <a:rPr lang="es-AR" sz="3200" dirty="0"/>
+              <a:t>Etapa de Cierre: Beta del producto y retrospectiva del proyecto.</a:t>
+            </a:r>
+          </a:p>
+        </p:txBody>
+      </p:sp>
     </p:spTree>
     <p:extLst>
       <p:ext uri="{BB962C8B-B14F-4D97-AF65-F5344CB8AC3E}">
-        <p14:creationId xmlns:p14="http://schemas.microsoft.com/office/powerpoint/2010/main" val="770634972"/>
+        <p14:creationId xmlns:p14="http://schemas.microsoft.com/office/powerpoint/2010/main" val="2717936034"/>
       </p:ext>
     </p:extLst>
   </p:cSld>
@@ -4009,10 +3944,10 @@
       </p:grpSpPr>
       <p:pic>
         <p:nvPicPr>
-          <p:cNvPr id="8" name="Picture 3">
+          <p:cNvPr id="9" name="Picture 3">
             <a:extLst>
               <a:ext uri="{FF2B5EF4-FFF2-40B4-BE49-F238E27FC236}">
-                <a16:creationId xmlns:a16="http://schemas.microsoft.com/office/drawing/2014/main" id="{C6B715A7-108E-4171-8E37-AE5DECCE1CD3}"/>
+                <a16:creationId xmlns:a16="http://schemas.microsoft.com/office/drawing/2014/main" id="{1D65E3D5-A2ED-4B4E-8971-B10A91EAF267}"/>
               </a:ext>
             </a:extLst>
           </p:cNvPr>
@@ -4045,6 +3980,30 @@
       </p:pic>
       <p:pic>
         <p:nvPicPr>
+          <p:cNvPr id="10" name="Picture 9"/>
+          <p:cNvPicPr>
+            <a:picLocks noChangeAspect="1"/>
+          </p:cNvPicPr>
+          <p:nvPr/>
+        </p:nvPicPr>
+        <p:blipFill>
+          <a:blip r:embed="rId3"/>
+          <a:stretch>
+            <a:fillRect/>
+          </a:stretch>
+        </p:blipFill>
+        <p:spPr>
+          <a:xfrm>
+            <a:off x="1729874" y="1696454"/>
+            <a:ext cx="8732250" cy="4305184"/>
+          </a:xfrm>
+          <a:prstGeom prst="rect">
+            <a:avLst/>
+          </a:prstGeom>
+        </p:spPr>
+      </p:pic>
+      <p:pic>
+        <p:nvPicPr>
           <p:cNvPr id="5" name="Picture 4"/>
           <p:cNvPicPr>
             <a:picLocks noChangeAspect="1"/>
@@ -4052,7 +4011,7 @@
           <p:nvPr/>
         </p:nvPicPr>
         <p:blipFill>
-          <a:blip r:embed="rId3" cstate="print">
+          <a:blip r:embed="rId4" cstate="print">
             <a:extLst>
               <a:ext uri="{28A0092B-C50C-407E-A947-70E740481C1C}">
                 <a14:useLocalDpi xmlns:a14="http://schemas.microsoft.com/office/drawing/2010/main" val="0"/>
@@ -4126,7 +4085,7 @@
       </p:sp>
       <p:sp>
         <p:nvSpPr>
-          <p:cNvPr id="6" name="Title 1"/>
+          <p:cNvPr id="8" name="Title 1"/>
           <p:cNvSpPr txBox="1">
             <a:spLocks/>
           </p:cNvSpPr>
@@ -4134,8 +4093,8 @@
         </p:nvSpPr>
         <p:spPr>
           <a:xfrm>
-            <a:off x="718128" y="2517197"/>
-            <a:ext cx="10515600" cy="1325563"/>
+            <a:off x="646111" y="0"/>
+            <a:ext cx="10515600" cy="1034473"/>
           </a:xfrm>
           <a:prstGeom prst="rect">
             <a:avLst/>
@@ -4165,7 +4124,7 @@
             </a:lvl1pPr>
           </a:lstStyle>
           <a:p>
-            <a:pPr>
+            <a:pPr algn="l">
               <a:lnSpc>
                 <a:spcPct val="70000"/>
               </a:lnSpc>
@@ -4178,7 +4137,7 @@
                 <a:latin typeface="Calibri Light" panose="020F0302020204030204" pitchFamily="34" charset="0"/>
                 <a:cs typeface="Calibri Light" panose="020F0302020204030204" pitchFamily="34" charset="0"/>
               </a:rPr>
-              <a:t>Artefactos del Proyecto</a:t>
+              <a:t>Riesgos del proyecto</a:t>
             </a:r>
             <a:endParaRPr lang="en-US" sz="5200" dirty="0">
               <a:solidFill>
@@ -4193,7 +4152,7 @@
     </p:spTree>
     <p:extLst>
       <p:ext uri="{BB962C8B-B14F-4D97-AF65-F5344CB8AC3E}">
-        <p14:creationId xmlns:p14="http://schemas.microsoft.com/office/powerpoint/2010/main" val="982298445"/>
+        <p14:creationId xmlns:p14="http://schemas.microsoft.com/office/powerpoint/2010/main" val="770634972"/>
       </p:ext>
     </p:extLst>
   </p:cSld>
@@ -4222,10 +4181,10 @@
       </p:grpSpPr>
       <p:pic>
         <p:nvPicPr>
-          <p:cNvPr id="9" name="Picture 3">
+          <p:cNvPr id="8" name="Picture 3">
             <a:extLst>
               <a:ext uri="{FF2B5EF4-FFF2-40B4-BE49-F238E27FC236}">
-                <a16:creationId xmlns:a16="http://schemas.microsoft.com/office/drawing/2014/main" id="{5B2A8542-0EF3-4DD6-BB46-2951ABB04956}"/>
+                <a16:creationId xmlns:a16="http://schemas.microsoft.com/office/drawing/2014/main" id="{C6B715A7-108E-4171-8E37-AE5DECCE1CD3}"/>
               </a:ext>
             </a:extLst>
           </p:cNvPr>
@@ -4258,8 +4217,10 @@
       </p:pic>
       <p:pic>
         <p:nvPicPr>
-          <p:cNvPr id="8" name="Imagen 2" descr="Imagen que contiene texto, mapa&#10;&#10;Descripción generada automáticamente"/>
-          <p:cNvPicPr/>
+          <p:cNvPr id="5" name="Picture 4"/>
+          <p:cNvPicPr>
+            <a:picLocks noChangeAspect="1"/>
+          </p:cNvPicPr>
           <p:nvPr/>
         </p:nvPicPr>
         <p:blipFill>
@@ -4276,36 +4237,6 @@
         </p:blipFill>
         <p:spPr>
           <a:xfrm>
-            <a:off x="2003428" y="1515979"/>
-            <a:ext cx="7800966" cy="4675776"/>
-          </a:xfrm>
-          <a:prstGeom prst="rect">
-            <a:avLst/>
-          </a:prstGeom>
-        </p:spPr>
-      </p:pic>
-      <p:pic>
-        <p:nvPicPr>
-          <p:cNvPr id="5" name="Picture 4"/>
-          <p:cNvPicPr>
-            <a:picLocks noChangeAspect="1"/>
-          </p:cNvPicPr>
-          <p:nvPr/>
-        </p:nvPicPr>
-        <p:blipFill>
-          <a:blip r:embed="rId4" cstate="print">
-            <a:extLst>
-              <a:ext uri="{28A0092B-C50C-407E-A947-70E740481C1C}">
-                <a14:useLocalDpi xmlns:a14="http://schemas.microsoft.com/office/drawing/2010/main" val="0"/>
-              </a:ext>
-            </a:extLst>
-          </a:blip>
-          <a:stretch>
-            <a:fillRect/>
-          </a:stretch>
-        </p:blipFill>
-        <p:spPr>
-          <a:xfrm>
             <a:off x="5259579" y="6425768"/>
             <a:ext cx="1672840" cy="432232"/>
           </a:xfrm>
@@ -4375,8 +4306,8 @@
         </p:nvSpPr>
         <p:spPr>
           <a:xfrm>
-            <a:off x="646111" y="270733"/>
-            <a:ext cx="10515600" cy="900278"/>
+            <a:off x="718128" y="2517197"/>
+            <a:ext cx="10515600" cy="1325563"/>
           </a:xfrm>
           <a:prstGeom prst="rect">
             <a:avLst/>
@@ -4406,7 +4337,7 @@
             </a:lvl1pPr>
           </a:lstStyle>
           <a:p>
-            <a:pPr algn="l">
+            <a:pPr>
               <a:lnSpc>
                 <a:spcPct val="70000"/>
               </a:lnSpc>
@@ -4419,7 +4350,7 @@
                 <a:latin typeface="Calibri Light" panose="020F0302020204030204" pitchFamily="34" charset="0"/>
                 <a:cs typeface="Calibri Light" panose="020F0302020204030204" pitchFamily="34" charset="0"/>
               </a:rPr>
-              <a:t>Modelo de Dominio</a:t>
+              <a:t>Artefactos del Proyecto</a:t>
             </a:r>
             <a:endParaRPr lang="en-US" sz="5200" dirty="0">
               <a:solidFill>
@@ -4434,7 +4365,7 @@
     </p:spTree>
     <p:extLst>
       <p:ext uri="{BB962C8B-B14F-4D97-AF65-F5344CB8AC3E}">
-        <p14:creationId xmlns:p14="http://schemas.microsoft.com/office/powerpoint/2010/main" val="3491048220"/>
+        <p14:creationId xmlns:p14="http://schemas.microsoft.com/office/powerpoint/2010/main" val="982298445"/>
       </p:ext>
     </p:extLst>
   </p:cSld>
@@ -4466,7 +4397,7 @@
           <p:cNvPr id="9" name="Picture 3">
             <a:extLst>
               <a:ext uri="{FF2B5EF4-FFF2-40B4-BE49-F238E27FC236}">
-                <a16:creationId xmlns:a16="http://schemas.microsoft.com/office/drawing/2014/main" id="{241087AD-F83F-4948-92C9-720933405FC4}"/>
+                <a16:creationId xmlns:a16="http://schemas.microsoft.com/office/drawing/2014/main" id="{5B2A8542-0EF3-4DD6-BB46-2951ABB04956}"/>
               </a:ext>
             </a:extLst>
           </p:cNvPr>
@@ -4499,10 +4430,8 @@
       </p:pic>
       <p:pic>
         <p:nvPicPr>
-          <p:cNvPr id="5" name="Picture 4"/>
-          <p:cNvPicPr>
-            <a:picLocks noChangeAspect="1"/>
-          </p:cNvPicPr>
+          <p:cNvPr id="8" name="Imagen 2" descr="Imagen que contiene texto, mapa&#10;&#10;Descripción generada automáticamente"/>
+          <p:cNvPicPr/>
           <p:nvPr/>
         </p:nvPicPr>
         <p:blipFill>
@@ -4519,6 +4448,36 @@
         </p:blipFill>
         <p:spPr>
           <a:xfrm>
+            <a:off x="2003428" y="1515979"/>
+            <a:ext cx="7800966" cy="4675776"/>
+          </a:xfrm>
+          <a:prstGeom prst="rect">
+            <a:avLst/>
+          </a:prstGeom>
+        </p:spPr>
+      </p:pic>
+      <p:pic>
+        <p:nvPicPr>
+          <p:cNvPr id="5" name="Picture 4"/>
+          <p:cNvPicPr>
+            <a:picLocks noChangeAspect="1"/>
+          </p:cNvPicPr>
+          <p:nvPr/>
+        </p:nvPicPr>
+        <p:blipFill>
+          <a:blip r:embed="rId4" cstate="print">
+            <a:extLst>
+              <a:ext uri="{28A0092B-C50C-407E-A947-70E740481C1C}">
+                <a14:useLocalDpi xmlns:a14="http://schemas.microsoft.com/office/drawing/2010/main" val="0"/>
+              </a:ext>
+            </a:extLst>
+          </a:blip>
+          <a:stretch>
+            <a:fillRect/>
+          </a:stretch>
+        </p:blipFill>
+        <p:spPr>
+          <a:xfrm>
             <a:off x="5259579" y="6425768"/>
             <a:ext cx="1672840" cy="432232"/>
           </a:xfrm>
@@ -4588,8 +4547,8 @@
         </p:nvSpPr>
         <p:spPr>
           <a:xfrm>
-            <a:off x="838199" y="432232"/>
-            <a:ext cx="10515600" cy="1913926"/>
+            <a:off x="646111" y="270733"/>
+            <a:ext cx="10515600" cy="900278"/>
           </a:xfrm>
           <a:prstGeom prst="rect">
             <a:avLst/>
@@ -4597,7 +4556,7 @@
         </p:spPr>
         <p:txBody>
           <a:bodyPr vert="horz" lIns="91440" tIns="45720" rIns="91440" bIns="45720" rtlCol="0" anchor="b">
-            <a:normAutofit fontScale="92500" lnSpcReduction="20000"/>
+            <a:normAutofit/>
           </a:bodyPr>
           <a:lstStyle>
             <a:lvl1pPr algn="ctr" defTabSz="914400" rtl="0" eaLnBrk="1" latinLnBrk="0" hangingPunct="1">
@@ -4619,71 +4578,35 @@
             </a:lvl1pPr>
           </a:lstStyle>
           <a:p>
-            <a:pPr algn="l"/>
-            <a:r>
-              <a:rPr lang="es-AR" sz="5600" dirty="0">
+            <a:pPr algn="l">
+              <a:lnSpc>
+                <a:spcPct val="70000"/>
+              </a:lnSpc>
+            </a:pPr>
+            <a:r>
+              <a:rPr lang="es-AR" sz="5200" dirty="0">
                 <a:solidFill>
                   <a:srgbClr val="C77C0E"/>
                 </a:solidFill>
                 <a:latin typeface="Calibri Light" panose="020F0302020204030204" pitchFamily="34" charset="0"/>
                 <a:cs typeface="Calibri Light" panose="020F0302020204030204" pitchFamily="34" charset="0"/>
               </a:rPr>
-              <a:t>Diagrama de</a:t>
-            </a:r>
-          </a:p>
-          <a:p>
-            <a:pPr algn="l"/>
-            <a:r>
-              <a:rPr lang="es-AR" sz="5600" dirty="0">
-                <a:solidFill>
-                  <a:srgbClr val="C77C0E"/>
-                </a:solidFill>
-                <a:latin typeface="Calibri Light" panose="020F0302020204030204" pitchFamily="34" charset="0"/>
-                <a:cs typeface="Calibri Light" panose="020F0302020204030204" pitchFamily="34" charset="0"/>
-              </a:rPr>
-              <a:t>Arquitectura</a:t>
-            </a:r>
-            <a:br>
-              <a:rPr lang="es-AR" dirty="0"/>
-            </a:br>
-            <a:endParaRPr lang="en-US" dirty="0"/>
-          </a:p>
-        </p:txBody>
-      </p:sp>
-      <p:pic>
-        <p:nvPicPr>
-          <p:cNvPr id="10" name="Content Placeholder 3">
-            <a:extLst>
-              <a:ext uri="{FF2B5EF4-FFF2-40B4-BE49-F238E27FC236}">
-                <a16:creationId xmlns:a16="http://schemas.microsoft.com/office/drawing/2014/main" id="{20E0538B-E572-43F6-9C5C-6829E54E9E78}"/>
-              </a:ext>
-            </a:extLst>
-          </p:cNvPr>
-          <p:cNvPicPr>
-            <a:picLocks noChangeAspect="1"/>
-          </p:cNvPicPr>
-          <p:nvPr/>
-        </p:nvPicPr>
-        <p:blipFill>
-          <a:blip r:embed="rId4"/>
-          <a:stretch>
-            <a:fillRect/>
-          </a:stretch>
-        </p:blipFill>
-        <p:spPr>
-          <a:xfrm>
-            <a:off x="-727922" y="2263525"/>
-            <a:ext cx="13647844" cy="3475538"/>
-          </a:xfrm>
-          <a:prstGeom prst="rect">
-            <a:avLst/>
-          </a:prstGeom>
-        </p:spPr>
-      </p:pic>
+              <a:t>Modelo de Dominio</a:t>
+            </a:r>
+            <a:endParaRPr lang="en-US" sz="5200" dirty="0">
+              <a:solidFill>
+                <a:srgbClr val="C77C0E"/>
+              </a:solidFill>
+              <a:latin typeface="Calibri Light" panose="020F0302020204030204" pitchFamily="34" charset="0"/>
+              <a:cs typeface="Calibri Light" panose="020F0302020204030204" pitchFamily="34" charset="0"/>
+            </a:endParaRPr>
+          </a:p>
+        </p:txBody>
+      </p:sp>
     </p:spTree>
     <p:extLst>
       <p:ext uri="{BB962C8B-B14F-4D97-AF65-F5344CB8AC3E}">
-        <p14:creationId xmlns:p14="http://schemas.microsoft.com/office/powerpoint/2010/main" val="1321537657"/>
+        <p14:creationId xmlns:p14="http://schemas.microsoft.com/office/powerpoint/2010/main" val="3491048220"/>
       </p:ext>
     </p:extLst>
   </p:cSld>
@@ -4715,7 +4638,7 @@
           <p:cNvPr id="9" name="Picture 3">
             <a:extLst>
               <a:ext uri="{FF2B5EF4-FFF2-40B4-BE49-F238E27FC236}">
-                <a16:creationId xmlns:a16="http://schemas.microsoft.com/office/drawing/2014/main" id="{2A99E6EA-6381-4BC2-80B5-76ED6B700E7D}"/>
+                <a16:creationId xmlns:a16="http://schemas.microsoft.com/office/drawing/2014/main" id="{241087AD-F83F-4948-92C9-720933405FC4}"/>
               </a:ext>
             </a:extLst>
           </p:cNvPr>
@@ -4738,7 +4661,7 @@
         </p:blipFill>
         <p:spPr>
           <a:xfrm rot="5400000">
-            <a:off x="835648" y="-1762076"/>
+            <a:off x="791260" y="-1762076"/>
             <a:ext cx="9625263" cy="13125359"/>
           </a:xfrm>
           <a:prstGeom prst="rect">
@@ -4829,7 +4752,7 @@
       </p:sp>
       <p:sp>
         <p:nvSpPr>
-          <p:cNvPr id="8" name="Title 1"/>
+          <p:cNvPr id="6" name="Title 1"/>
           <p:cNvSpPr txBox="1">
             <a:spLocks/>
           </p:cNvSpPr>
@@ -4837,8 +4760,8 @@
         </p:nvSpPr>
         <p:spPr>
           <a:xfrm>
-            <a:off x="838200" y="365125"/>
-            <a:ext cx="10515600" cy="1325563"/>
+            <a:off x="838199" y="432232"/>
+            <a:ext cx="10515600" cy="1913926"/>
           </a:xfrm>
           <a:prstGeom prst="rect">
             <a:avLst/>
@@ -4846,7 +4769,7 @@
         </p:spPr>
         <p:txBody>
           <a:bodyPr vert="horz" lIns="91440" tIns="45720" rIns="91440" bIns="45720" rtlCol="0" anchor="b">
-            <a:normAutofit/>
+            <a:normAutofit fontScale="92500" lnSpcReduction="20000"/>
           </a:bodyPr>
           <a:lstStyle>
             <a:lvl1pPr algn="ctr" defTabSz="914400" rtl="0" eaLnBrk="1" latinLnBrk="0" hangingPunct="1">
@@ -4868,40 +4791,61 @@
             </a:lvl1pPr>
           </a:lstStyle>
           <a:p>
+            <a:pPr algn="l"/>
+            <a:r>
+              <a:rPr lang="es-AR" sz="5600" dirty="0">
+                <a:solidFill>
+                  <a:srgbClr val="C77C0E"/>
+                </a:solidFill>
+                <a:latin typeface="Calibri Light" panose="020F0302020204030204" pitchFamily="34" charset="0"/>
+                <a:cs typeface="Calibri Light" panose="020F0302020204030204" pitchFamily="34" charset="0"/>
+              </a:rPr>
+              <a:t>Diagrama de</a:t>
+            </a:r>
+          </a:p>
+          <a:p>
+            <a:pPr algn="l"/>
+            <a:r>
+              <a:rPr lang="es-AR" sz="5600" dirty="0">
+                <a:solidFill>
+                  <a:srgbClr val="C77C0E"/>
+                </a:solidFill>
+                <a:latin typeface="Calibri Light" panose="020F0302020204030204" pitchFamily="34" charset="0"/>
+                <a:cs typeface="Calibri Light" panose="020F0302020204030204" pitchFamily="34" charset="0"/>
+              </a:rPr>
+              <a:t>Arquitectura</a:t>
+            </a:r>
+            <a:br>
+              <a:rPr lang="es-AR" dirty="0"/>
+            </a:br>
             <a:endParaRPr lang="en-US" dirty="0"/>
           </a:p>
         </p:txBody>
       </p:sp>
       <p:pic>
         <p:nvPicPr>
-          <p:cNvPr id="10" name="Imagen 3" descr="Imagen que contiene texto, mapa&#10;&#10;Descripción generada automáticamente">
+          <p:cNvPr id="3" name="Picture 2">
             <a:extLst>
               <a:ext uri="{FF2B5EF4-FFF2-40B4-BE49-F238E27FC236}">
-                <a16:creationId xmlns:a16="http://schemas.microsoft.com/office/drawing/2014/main" id="{D0D91702-B8DD-4C2C-97BC-760F35A6B71B}"/>
+                <a16:creationId xmlns:a16="http://schemas.microsoft.com/office/drawing/2014/main" id="{8D97C350-E5F2-4650-8D46-C49EC88E69BB}"/>
               </a:ext>
             </a:extLst>
           </p:cNvPr>
           <p:cNvPicPr>
-            <a:picLocks/>
+            <a:picLocks noChangeAspect="1"/>
           </p:cNvPicPr>
           <p:nvPr/>
         </p:nvPicPr>
         <p:blipFill>
-          <a:blip r:embed="rId4" cstate="print">
-            <a:extLst>
-              <a:ext uri="{28A0092B-C50C-407E-A947-70E740481C1C}">
-                <a14:useLocalDpi xmlns:a14="http://schemas.microsoft.com/office/drawing/2010/main" val="0"/>
-              </a:ext>
-            </a:extLst>
-          </a:blip>
+          <a:blip r:embed="rId4"/>
           <a:stretch>
             <a:fillRect/>
           </a:stretch>
         </p:blipFill>
         <p:spPr>
           <a:xfrm>
-            <a:off x="613611" y="341771"/>
-            <a:ext cx="5392377" cy="5902011"/>
+            <a:off x="838199" y="1733967"/>
+            <a:ext cx="8101012" cy="4530301"/>
           </a:xfrm>
           <a:prstGeom prst="rect">
             <a:avLst/>
@@ -4911,7 +4855,7 @@
     </p:spTree>
     <p:extLst>
       <p:ext uri="{BB962C8B-B14F-4D97-AF65-F5344CB8AC3E}">
-        <p14:creationId xmlns:p14="http://schemas.microsoft.com/office/powerpoint/2010/main" val="1745573516"/>
+        <p14:creationId xmlns:p14="http://schemas.microsoft.com/office/powerpoint/2010/main" val="1321537657"/>
       </p:ext>
     </p:extLst>
   </p:cSld>
@@ -4940,10 +4884,10 @@
       </p:grpSpPr>
       <p:pic>
         <p:nvPicPr>
-          <p:cNvPr id="8" name="Picture 3">
+          <p:cNvPr id="9" name="Picture 3">
             <a:extLst>
               <a:ext uri="{FF2B5EF4-FFF2-40B4-BE49-F238E27FC236}">
-                <a16:creationId xmlns:a16="http://schemas.microsoft.com/office/drawing/2014/main" id="{01D9E1F7-302B-4DDD-8A64-E7E01635BC01}"/>
+                <a16:creationId xmlns:a16="http://schemas.microsoft.com/office/drawing/2014/main" id="{2A99E6EA-6381-4BC2-80B5-76ED6B700E7D}"/>
               </a:ext>
             </a:extLst>
           </p:cNvPr>
@@ -5057,7 +5001,7 @@
       </p:sp>
       <p:sp>
         <p:nvSpPr>
-          <p:cNvPr id="6" name="Title 1"/>
+          <p:cNvPr id="8" name="Title 1"/>
           <p:cNvSpPr txBox="1">
             <a:spLocks/>
           </p:cNvSpPr>
@@ -5065,8 +5009,8 @@
         </p:nvSpPr>
         <p:spPr>
           <a:xfrm>
-            <a:off x="1095745" y="2261031"/>
-            <a:ext cx="10515600" cy="1384536"/>
+            <a:off x="838200" y="365125"/>
+            <a:ext cx="10515600" cy="1325563"/>
           </a:xfrm>
           <a:prstGeom prst="rect">
             <a:avLst/>
@@ -5096,74 +5040,26 @@
             </a:lvl1pPr>
           </a:lstStyle>
           <a:p>
-            <a:pPr algn="r">
-              <a:lnSpc>
-                <a:spcPct val="70000"/>
-              </a:lnSpc>
-            </a:pPr>
-            <a:r>
-              <a:rPr lang="es-AR" sz="5200" dirty="0">
-                <a:solidFill>
-                  <a:srgbClr val="C77C0E"/>
-                </a:solidFill>
-                <a:latin typeface="Calibri Light" panose="020F0302020204030204" pitchFamily="34" charset="0"/>
-                <a:cs typeface="Calibri Light" panose="020F0302020204030204" pitchFamily="34" charset="0"/>
-              </a:rPr>
-              <a:t>Diagrama</a:t>
-            </a:r>
-            <a:r>
-              <a:rPr lang="en-US" sz="5200" dirty="0">
-                <a:solidFill>
-                  <a:srgbClr val="C77C0E"/>
-                </a:solidFill>
-                <a:latin typeface="Calibri Light" panose="020F0302020204030204" pitchFamily="34" charset="0"/>
-                <a:cs typeface="Calibri Light" panose="020F0302020204030204" pitchFamily="34" charset="0"/>
-              </a:rPr>
-              <a:t> de </a:t>
-            </a:r>
-          </a:p>
-          <a:p>
-            <a:pPr algn="r">
-              <a:lnSpc>
-                <a:spcPct val="70000"/>
-              </a:lnSpc>
-            </a:pPr>
-            <a:r>
-              <a:rPr lang="en-US" sz="5200" dirty="0" err="1">
-                <a:solidFill>
-                  <a:srgbClr val="C77C0E"/>
-                </a:solidFill>
-                <a:latin typeface="Calibri Light" panose="020F0302020204030204" pitchFamily="34" charset="0"/>
-                <a:cs typeface="Calibri Light" panose="020F0302020204030204" pitchFamily="34" charset="0"/>
-              </a:rPr>
-              <a:t>Clases</a:t>
-            </a:r>
-            <a:endParaRPr lang="es-AR" sz="5200" dirty="0">
-              <a:solidFill>
-                <a:srgbClr val="C77C0E"/>
-              </a:solidFill>
-              <a:latin typeface="Calibri Light" panose="020F0302020204030204" pitchFamily="34" charset="0"/>
-              <a:cs typeface="Calibri Light" panose="020F0302020204030204" pitchFamily="34" charset="0"/>
-            </a:endParaRPr>
+            <a:endParaRPr lang="en-US" dirty="0"/>
           </a:p>
         </p:txBody>
       </p:sp>
       <p:pic>
         <p:nvPicPr>
-          <p:cNvPr id="10" name="Imagen 9" descr="Imagen que contiene texto, mapa&#10;&#10;Descripción generada automáticamente">
+          <p:cNvPr id="10" name="Imagen 3" descr="Imagen que contiene texto, mapa&#10;&#10;Descripción generada automáticamente">
             <a:extLst>
               <a:ext uri="{FF2B5EF4-FFF2-40B4-BE49-F238E27FC236}">
-                <a16:creationId xmlns:a16="http://schemas.microsoft.com/office/drawing/2014/main" id="{3A918DA7-CC20-41B5-8686-4654C88E5E07}"/>
+                <a16:creationId xmlns:a16="http://schemas.microsoft.com/office/drawing/2014/main" id="{D0D91702-B8DD-4C2C-97BC-760F35A6B71B}"/>
               </a:ext>
             </a:extLst>
           </p:cNvPr>
           <p:cNvPicPr>
-            <a:picLocks noChangeAspect="1"/>
+            <a:picLocks/>
           </p:cNvPicPr>
           <p:nvPr/>
         </p:nvPicPr>
         <p:blipFill>
-          <a:blip r:embed="rId4">
+          <a:blip r:embed="rId4" cstate="print">
             <a:extLst>
               <a:ext uri="{28A0092B-C50C-407E-A947-70E740481C1C}">
                 <a14:useLocalDpi xmlns:a14="http://schemas.microsoft.com/office/drawing/2010/main" val="0"/>
@@ -5176,8 +5072,8 @@
         </p:blipFill>
         <p:spPr>
           <a:xfrm>
-            <a:off x="1460021" y="270732"/>
-            <a:ext cx="4973052" cy="5954636"/>
+            <a:off x="613611" y="341771"/>
+            <a:ext cx="5392377" cy="5902011"/>
           </a:xfrm>
           <a:prstGeom prst="rect">
             <a:avLst/>
@@ -5187,7 +5083,7 @@
     </p:spTree>
     <p:extLst>
       <p:ext uri="{BB962C8B-B14F-4D97-AF65-F5344CB8AC3E}">
-        <p14:creationId xmlns:p14="http://schemas.microsoft.com/office/powerpoint/2010/main" val="1469291986"/>
+        <p14:creationId xmlns:p14="http://schemas.microsoft.com/office/powerpoint/2010/main" val="1745573516"/>
       </p:ext>
     </p:extLst>
   </p:cSld>
@@ -5252,30 +5148,6 @@
       </p:pic>
       <p:pic>
         <p:nvPicPr>
-          <p:cNvPr id="2" name="Picture 1"/>
-          <p:cNvPicPr>
-            <a:picLocks noChangeAspect="1"/>
-          </p:cNvPicPr>
-          <p:nvPr/>
-        </p:nvPicPr>
-        <p:blipFill>
-          <a:blip r:embed="rId3"/>
-          <a:stretch>
-            <a:fillRect/>
-          </a:stretch>
-        </p:blipFill>
-        <p:spPr>
-          <a:xfrm>
-            <a:off x="1876360" y="1942344"/>
-            <a:ext cx="8439277" cy="4175863"/>
-          </a:xfrm>
-          <a:prstGeom prst="rect">
-            <a:avLst/>
-          </a:prstGeom>
-        </p:spPr>
-      </p:pic>
-      <p:pic>
-        <p:nvPicPr>
           <p:cNvPr id="5" name="Picture 4"/>
           <p:cNvPicPr>
             <a:picLocks noChangeAspect="1"/>
@@ -5283,7 +5155,7 @@
           <p:nvPr/>
         </p:nvPicPr>
         <p:blipFill>
-          <a:blip r:embed="rId4" cstate="print">
+          <a:blip r:embed="rId3" cstate="print">
             <a:extLst>
               <a:ext uri="{28A0092B-C50C-407E-A947-70E740481C1C}">
                 <a14:useLocalDpi xmlns:a14="http://schemas.microsoft.com/office/drawing/2010/main" val="0"/>
@@ -5365,7 +5237,7 @@
         </p:nvSpPr>
         <p:spPr>
           <a:xfrm>
-            <a:off x="838199" y="432233"/>
+            <a:off x="1095745" y="2261031"/>
             <a:ext cx="10515600" cy="1384536"/>
           </a:xfrm>
           <a:prstGeom prst="rect">
@@ -5396,7 +5268,7 @@
             </a:lvl1pPr>
           </a:lstStyle>
           <a:p>
-            <a:pPr algn="l">
+            <a:pPr algn="r">
               <a:lnSpc>
                 <a:spcPct val="70000"/>
               </a:lnSpc>
@@ -5411,24 +5283,34 @@
               </a:rPr>
               <a:t>Diagrama</a:t>
             </a:r>
-          </a:p>
-          <a:p>
-            <a:pPr algn="l">
+            <a:r>
+              <a:rPr lang="en-US" sz="5200" dirty="0">
+                <a:solidFill>
+                  <a:srgbClr val="C77C0E"/>
+                </a:solidFill>
+                <a:latin typeface="Calibri Light" panose="020F0302020204030204" pitchFamily="34" charset="0"/>
+                <a:cs typeface="Calibri Light" panose="020F0302020204030204" pitchFamily="34" charset="0"/>
+              </a:rPr>
+              <a:t> de </a:t>
+            </a:r>
+          </a:p>
+          <a:p>
+            <a:pPr algn="r">
               <a:lnSpc>
                 <a:spcPct val="70000"/>
               </a:lnSpc>
             </a:pPr>
             <a:r>
-              <a:rPr lang="es-AR" sz="5200" dirty="0">
+              <a:rPr lang="en-US" sz="5200" dirty="0" err="1">
                 <a:solidFill>
                   <a:srgbClr val="C77C0E"/>
                 </a:solidFill>
                 <a:latin typeface="Calibri Light" panose="020F0302020204030204" pitchFamily="34" charset="0"/>
                 <a:cs typeface="Calibri Light" panose="020F0302020204030204" pitchFamily="34" charset="0"/>
               </a:rPr>
-              <a:t>Entidad Relación</a:t>
-            </a:r>
-            <a:endParaRPr lang="en-US" sz="5200" dirty="0">
+              <a:t>Clases</a:t>
+            </a:r>
+            <a:endParaRPr lang="es-AR" sz="5200" dirty="0">
               <a:solidFill>
                 <a:srgbClr val="C77C0E"/>
               </a:solidFill>
@@ -5438,10 +5320,46 @@
           </a:p>
         </p:txBody>
       </p:sp>
+      <p:pic>
+        <p:nvPicPr>
+          <p:cNvPr id="10" name="Imagen 9" descr="Imagen que contiene texto, mapa&#10;&#10;Descripción generada automáticamente">
+            <a:extLst>
+              <a:ext uri="{FF2B5EF4-FFF2-40B4-BE49-F238E27FC236}">
+                <a16:creationId xmlns:a16="http://schemas.microsoft.com/office/drawing/2014/main" id="{3A918DA7-CC20-41B5-8686-4654C88E5E07}"/>
+              </a:ext>
+            </a:extLst>
+          </p:cNvPr>
+          <p:cNvPicPr>
+            <a:picLocks noChangeAspect="1"/>
+          </p:cNvPicPr>
+          <p:nvPr/>
+        </p:nvPicPr>
+        <p:blipFill>
+          <a:blip r:embed="rId4">
+            <a:extLst>
+              <a:ext uri="{28A0092B-C50C-407E-A947-70E740481C1C}">
+                <a14:useLocalDpi xmlns:a14="http://schemas.microsoft.com/office/drawing/2010/main" val="0"/>
+              </a:ext>
+            </a:extLst>
+          </a:blip>
+          <a:stretch>
+            <a:fillRect/>
+          </a:stretch>
+        </p:blipFill>
+        <p:spPr>
+          <a:xfrm>
+            <a:off x="1460021" y="270732"/>
+            <a:ext cx="4973052" cy="5954636"/>
+          </a:xfrm>
+          <a:prstGeom prst="rect">
+            <a:avLst/>
+          </a:prstGeom>
+        </p:spPr>
+      </p:pic>
     </p:spTree>
     <p:extLst>
       <p:ext uri="{BB962C8B-B14F-4D97-AF65-F5344CB8AC3E}">
-        <p14:creationId xmlns:p14="http://schemas.microsoft.com/office/powerpoint/2010/main" val="457100011"/>
+        <p14:creationId xmlns:p14="http://schemas.microsoft.com/office/powerpoint/2010/main" val="1469291986"/>
       </p:ext>
     </p:extLst>
   </p:cSld>
@@ -5470,10 +5388,10 @@
       </p:grpSpPr>
       <p:pic>
         <p:nvPicPr>
-          <p:cNvPr id="6" name="Picture 3">
+          <p:cNvPr id="8" name="Picture 3">
             <a:extLst>
               <a:ext uri="{FF2B5EF4-FFF2-40B4-BE49-F238E27FC236}">
-                <a16:creationId xmlns:a16="http://schemas.microsoft.com/office/drawing/2014/main" id="{44BD2908-AF70-438C-B270-972499BE8F76}"/>
+                <a16:creationId xmlns:a16="http://schemas.microsoft.com/office/drawing/2014/main" id="{01D9E1F7-302B-4DDD-8A64-E7E01635BC01}"/>
               </a:ext>
             </a:extLst>
           </p:cNvPr>
@@ -5506,6 +5424,30 @@
       </p:pic>
       <p:pic>
         <p:nvPicPr>
+          <p:cNvPr id="2" name="Picture 1"/>
+          <p:cNvPicPr>
+            <a:picLocks noChangeAspect="1"/>
+          </p:cNvPicPr>
+          <p:nvPr/>
+        </p:nvPicPr>
+        <p:blipFill>
+          <a:blip r:embed="rId3"/>
+          <a:stretch>
+            <a:fillRect/>
+          </a:stretch>
+        </p:blipFill>
+        <p:spPr>
+          <a:xfrm>
+            <a:off x="1876360" y="1942344"/>
+            <a:ext cx="8439277" cy="4175863"/>
+          </a:xfrm>
+          <a:prstGeom prst="rect">
+            <a:avLst/>
+          </a:prstGeom>
+        </p:spPr>
+      </p:pic>
+      <p:pic>
+        <p:nvPicPr>
           <p:cNvPr id="5" name="Picture 4"/>
           <p:cNvPicPr>
             <a:picLocks noChangeAspect="1"/>
@@ -5513,7 +5455,7 @@
           <p:nvPr/>
         </p:nvPicPr>
         <p:blipFill>
-          <a:blip r:embed="rId3" cstate="print">
+          <a:blip r:embed="rId4" cstate="print">
             <a:extLst>
               <a:ext uri="{28A0092B-C50C-407E-A947-70E740481C1C}">
                 <a14:useLocalDpi xmlns:a14="http://schemas.microsoft.com/office/drawing/2010/main" val="0"/>
@@ -5587,7 +5529,7 @@
       </p:sp>
       <p:sp>
         <p:nvSpPr>
-          <p:cNvPr id="8" name="Title 1"/>
+          <p:cNvPr id="6" name="Title 1"/>
           <p:cNvSpPr txBox="1">
             <a:spLocks/>
           </p:cNvSpPr>
@@ -5595,8 +5537,8 @@
         </p:nvSpPr>
         <p:spPr>
           <a:xfrm>
-            <a:off x="646111" y="2103437"/>
-            <a:ext cx="10515600" cy="1325563"/>
+            <a:off x="838199" y="432233"/>
+            <a:ext cx="10515600" cy="1384536"/>
           </a:xfrm>
           <a:prstGeom prst="rect">
             <a:avLst/>
@@ -5626,6 +5568,11 @@
             </a:lvl1pPr>
           </a:lstStyle>
           <a:p>
+            <a:pPr algn="l">
+              <a:lnSpc>
+                <a:spcPct val="70000"/>
+              </a:lnSpc>
+            </a:pPr>
             <a:r>
               <a:rPr lang="es-AR" sz="5200" dirty="0">
                 <a:solidFill>
@@ -5634,7 +5581,24 @@
                 <a:latin typeface="Calibri Light" panose="020F0302020204030204" pitchFamily="34" charset="0"/>
                 <a:cs typeface="Calibri Light" panose="020F0302020204030204" pitchFamily="34" charset="0"/>
               </a:rPr>
-              <a:t>Estado del Proyecto</a:t>
+              <a:t>Diagrama</a:t>
+            </a:r>
+          </a:p>
+          <a:p>
+            <a:pPr algn="l">
+              <a:lnSpc>
+                <a:spcPct val="70000"/>
+              </a:lnSpc>
+            </a:pPr>
+            <a:r>
+              <a:rPr lang="es-AR" sz="5200" dirty="0">
+                <a:solidFill>
+                  <a:srgbClr val="C77C0E"/>
+                </a:solidFill>
+                <a:latin typeface="Calibri Light" panose="020F0302020204030204" pitchFamily="34" charset="0"/>
+                <a:cs typeface="Calibri Light" panose="020F0302020204030204" pitchFamily="34" charset="0"/>
+              </a:rPr>
+              <a:t>Entidad Relación</a:t>
             </a:r>
             <a:endParaRPr lang="en-US" sz="5200" dirty="0">
               <a:solidFill>
@@ -5649,7 +5613,7 @@
     </p:spTree>
     <p:extLst>
       <p:ext uri="{BB962C8B-B14F-4D97-AF65-F5344CB8AC3E}">
-        <p14:creationId xmlns:p14="http://schemas.microsoft.com/office/powerpoint/2010/main" val="965870349"/>
+        <p14:creationId xmlns:p14="http://schemas.microsoft.com/office/powerpoint/2010/main" val="457100011"/>
       </p:ext>
     </p:extLst>
   </p:cSld>
@@ -5892,10 +5856,10 @@
       </p:grpSpPr>
       <p:pic>
         <p:nvPicPr>
-          <p:cNvPr id="8" name="Picture 3">
+          <p:cNvPr id="6" name="Picture 3">
             <a:extLst>
               <a:ext uri="{FF2B5EF4-FFF2-40B4-BE49-F238E27FC236}">
-                <a16:creationId xmlns:a16="http://schemas.microsoft.com/office/drawing/2014/main" id="{8A38DDF2-D1BB-43F4-BAFE-A3BEDB03EF14}"/>
+                <a16:creationId xmlns:a16="http://schemas.microsoft.com/office/drawing/2014/main" id="{44BD2908-AF70-438C-B270-972499BE8F76}"/>
               </a:ext>
             </a:extLst>
           </p:cNvPr>
@@ -5918,7 +5882,7 @@
         </p:blipFill>
         <p:spPr>
           <a:xfrm rot="5400000">
-            <a:off x="816689" y="-1750048"/>
+            <a:off x="835648" y="-1762076"/>
             <a:ext cx="9625263" cy="13125359"/>
           </a:xfrm>
           <a:prstGeom prst="rect">
@@ -6009,7 +5973,7 @@
       </p:sp>
       <p:sp>
         <p:nvSpPr>
-          <p:cNvPr id="6" name="Title 1"/>
+          <p:cNvPr id="8" name="Title 1"/>
           <p:cNvSpPr txBox="1">
             <a:spLocks/>
           </p:cNvSpPr>
@@ -6017,7 +5981,7 @@
         </p:nvSpPr>
         <p:spPr>
           <a:xfrm>
-            <a:off x="749933" y="270732"/>
+            <a:off x="646111" y="2103437"/>
             <a:ext cx="10515600" cy="1325563"/>
           </a:xfrm>
           <a:prstGeom prst="rect">
@@ -6048,11 +6012,6 @@
             </a:lvl1pPr>
           </a:lstStyle>
           <a:p>
-            <a:pPr algn="l">
-              <a:lnSpc>
-                <a:spcPct val="70000"/>
-              </a:lnSpc>
-            </a:pPr>
             <a:r>
               <a:rPr lang="es-AR" sz="5200" dirty="0">
                 <a:solidFill>
@@ -6061,7 +6020,7 @@
                 <a:latin typeface="Calibri Light" panose="020F0302020204030204" pitchFamily="34" charset="0"/>
                 <a:cs typeface="Calibri Light" panose="020F0302020204030204" pitchFamily="34" charset="0"/>
               </a:rPr>
-              <a:t>Prototipo de Pantallas</a:t>
+              <a:t>Estado del Proyecto</a:t>
             </a:r>
             <a:endParaRPr lang="en-US" sz="5200" dirty="0">
               <a:solidFill>
@@ -6073,12 +6032,225 @@
           </a:p>
         </p:txBody>
       </p:sp>
+    </p:spTree>
+    <p:extLst>
+      <p:ext uri="{BB962C8B-B14F-4D97-AF65-F5344CB8AC3E}">
+        <p14:creationId xmlns:p14="http://schemas.microsoft.com/office/powerpoint/2010/main" val="965870349"/>
+      </p:ext>
+    </p:extLst>
+  </p:cSld>
+  <p:clrMapOvr>
+    <a:masterClrMapping/>
+  </p:clrMapOvr>
+</p:sld>
+</file>
+
+<file path=ppt/slides/slide21.xml><?xml version="1.0" encoding="utf-8"?>
+<p:sld xmlns:a="http://schemas.openxmlformats.org/drawingml/2006/main" xmlns:r="http://schemas.openxmlformats.org/officeDocument/2006/relationships" xmlns:p="http://schemas.openxmlformats.org/presentationml/2006/main">
+  <p:cSld>
+    <p:spTree>
+      <p:nvGrpSpPr>
+        <p:cNvPr id="1" name=""/>
+        <p:cNvGrpSpPr/>
+        <p:nvPr/>
+      </p:nvGrpSpPr>
+      <p:grpSpPr>
+        <a:xfrm>
+          <a:off x="0" y="0"/>
+          <a:ext cx="0" cy="0"/>
+          <a:chOff x="0" y="0"/>
+          <a:chExt cx="0" cy="0"/>
+        </a:xfrm>
+      </p:grpSpPr>
       <p:pic>
         <p:nvPicPr>
-          <p:cNvPr id="3" name="Imagen 2" descr="Imagen que contiene captura de pantalla, pájaro&#10;&#10;Descripción generada automáticamente">
+          <p:cNvPr id="8" name="Picture 3">
             <a:extLst>
               <a:ext uri="{FF2B5EF4-FFF2-40B4-BE49-F238E27FC236}">
-                <a16:creationId xmlns:a16="http://schemas.microsoft.com/office/drawing/2014/main" id="{7595A6E3-6F2C-41AE-BF8C-948446216B9A}"/>
+                <a16:creationId xmlns:a16="http://schemas.microsoft.com/office/drawing/2014/main" id="{8A38DDF2-D1BB-43F4-BAFE-A3BEDB03EF14}"/>
+              </a:ext>
+            </a:extLst>
+          </p:cNvPr>
+          <p:cNvPicPr>
+            <a:picLocks noChangeAspect="1"/>
+          </p:cNvPicPr>
+          <p:nvPr/>
+        </p:nvPicPr>
+        <p:blipFill>
+          <a:blip r:embed="rId2">
+            <a:extLst>
+              <a:ext uri="{28A0092B-C50C-407E-A947-70E740481C1C}">
+                <a14:useLocalDpi xmlns:a14="http://schemas.microsoft.com/office/drawing/2010/main" val="0"/>
+              </a:ext>
+            </a:extLst>
+          </a:blip>
+          <a:stretch>
+            <a:fillRect/>
+          </a:stretch>
+        </p:blipFill>
+        <p:spPr>
+          <a:xfrm rot="5400000">
+            <a:off x="834442" y="-1892091"/>
+            <a:ext cx="9625263" cy="13125359"/>
+          </a:xfrm>
+          <a:prstGeom prst="rect">
+            <a:avLst/>
+          </a:prstGeom>
+        </p:spPr>
+      </p:pic>
+      <p:pic>
+        <p:nvPicPr>
+          <p:cNvPr id="5" name="Picture 4"/>
+          <p:cNvPicPr>
+            <a:picLocks noChangeAspect="1"/>
+          </p:cNvPicPr>
+          <p:nvPr/>
+        </p:nvPicPr>
+        <p:blipFill>
+          <a:blip r:embed="rId3" cstate="print">
+            <a:extLst>
+              <a:ext uri="{28A0092B-C50C-407E-A947-70E740481C1C}">
+                <a14:useLocalDpi xmlns:a14="http://schemas.microsoft.com/office/drawing/2010/main" val="0"/>
+              </a:ext>
+            </a:extLst>
+          </a:blip>
+          <a:stretch>
+            <a:fillRect/>
+          </a:stretch>
+        </p:blipFill>
+        <p:spPr>
+          <a:xfrm>
+            <a:off x="5259579" y="6425768"/>
+            <a:ext cx="1672840" cy="432232"/>
+          </a:xfrm>
+          <a:prstGeom prst="rect">
+            <a:avLst/>
+          </a:prstGeom>
+        </p:spPr>
+      </p:pic>
+      <p:sp>
+        <p:nvSpPr>
+          <p:cNvPr id="7" name="Title 1"/>
+          <p:cNvSpPr txBox="1">
+            <a:spLocks/>
+          </p:cNvSpPr>
+          <p:nvPr/>
+        </p:nvSpPr>
+        <p:spPr>
+          <a:xfrm>
+            <a:off x="646111" y="452718"/>
+            <a:ext cx="9404723" cy="5791064"/>
+          </a:xfrm>
+          <a:prstGeom prst="rect">
+            <a:avLst/>
+          </a:prstGeom>
+        </p:spPr>
+        <p:txBody>
+          <a:bodyPr vert="horz" lIns="91440" tIns="45720" rIns="91440" bIns="45720" rtlCol="0" anchor="b">
+            <a:normAutofit/>
+          </a:bodyPr>
+          <a:lstStyle>
+            <a:lvl1pPr algn="ctr" defTabSz="914400" rtl="0" eaLnBrk="1" latinLnBrk="0" hangingPunct="1">
+              <a:lnSpc>
+                <a:spcPct val="90000"/>
+              </a:lnSpc>
+              <a:spcBef>
+                <a:spcPct val="0"/>
+              </a:spcBef>
+              <a:buNone/>
+              <a:defRPr sz="6000" kern="1200">
+                <a:solidFill>
+                  <a:schemeClr val="tx1"/>
+                </a:solidFill>
+                <a:latin typeface="+mj-lt"/>
+                <a:ea typeface="+mj-ea"/>
+                <a:cs typeface="+mj-cs"/>
+              </a:defRPr>
+            </a:lvl1pPr>
+          </a:lstStyle>
+          <a:p>
+            <a:br>
+              <a:rPr lang="en-US" dirty="0"/>
+            </a:br>
+            <a:br>
+              <a:rPr lang="es-AR" dirty="0"/>
+            </a:br>
+            <a:endParaRPr lang="en-US" dirty="0"/>
+          </a:p>
+        </p:txBody>
+      </p:sp>
+      <p:sp>
+        <p:nvSpPr>
+          <p:cNvPr id="6" name="Title 1"/>
+          <p:cNvSpPr txBox="1">
+            <a:spLocks/>
+          </p:cNvSpPr>
+          <p:nvPr/>
+        </p:nvSpPr>
+        <p:spPr>
+          <a:xfrm>
+            <a:off x="749933" y="270732"/>
+            <a:ext cx="10515600" cy="1325563"/>
+          </a:xfrm>
+          <a:prstGeom prst="rect">
+            <a:avLst/>
+          </a:prstGeom>
+        </p:spPr>
+        <p:txBody>
+          <a:bodyPr vert="horz" lIns="91440" tIns="45720" rIns="91440" bIns="45720" rtlCol="0" anchor="b">
+            <a:normAutofit/>
+          </a:bodyPr>
+          <a:lstStyle>
+            <a:lvl1pPr algn="ctr" defTabSz="914400" rtl="0" eaLnBrk="1" latinLnBrk="0" hangingPunct="1">
+              <a:lnSpc>
+                <a:spcPct val="90000"/>
+              </a:lnSpc>
+              <a:spcBef>
+                <a:spcPct val="0"/>
+              </a:spcBef>
+              <a:buNone/>
+              <a:defRPr sz="6000" kern="1200">
+                <a:solidFill>
+                  <a:schemeClr val="tx1"/>
+                </a:solidFill>
+                <a:latin typeface="+mj-lt"/>
+                <a:ea typeface="+mj-ea"/>
+                <a:cs typeface="+mj-cs"/>
+              </a:defRPr>
+            </a:lvl1pPr>
+          </a:lstStyle>
+          <a:p>
+            <a:pPr algn="l">
+              <a:lnSpc>
+                <a:spcPct val="70000"/>
+              </a:lnSpc>
+            </a:pPr>
+            <a:r>
+              <a:rPr lang="es-AR" sz="5200" dirty="0">
+                <a:solidFill>
+                  <a:srgbClr val="C77C0E"/>
+                </a:solidFill>
+                <a:latin typeface="Calibri Light" panose="020F0302020204030204" pitchFamily="34" charset="0"/>
+                <a:cs typeface="Calibri Light" panose="020F0302020204030204" pitchFamily="34" charset="0"/>
+              </a:rPr>
+              <a:t>Prototipo de Pantallas</a:t>
+            </a:r>
+            <a:endParaRPr lang="en-US" sz="5200" dirty="0">
+              <a:solidFill>
+                <a:srgbClr val="C77C0E"/>
+              </a:solidFill>
+              <a:latin typeface="Calibri Light" panose="020F0302020204030204" pitchFamily="34" charset="0"/>
+              <a:cs typeface="Calibri Light" panose="020F0302020204030204" pitchFamily="34" charset="0"/>
+            </a:endParaRPr>
+          </a:p>
+        </p:txBody>
+      </p:sp>
+      <p:pic>
+        <p:nvPicPr>
+          <p:cNvPr id="4" name="Picture 3">
+            <a:extLst>
+              <a:ext uri="{FF2B5EF4-FFF2-40B4-BE49-F238E27FC236}">
+                <a16:creationId xmlns:a16="http://schemas.microsoft.com/office/drawing/2014/main" id="{7640798A-D47D-4EC2-8784-C2AB08B102D7}"/>
               </a:ext>
             </a:extLst>
           </p:cNvPr>
@@ -6101,8 +6273,8 @@
         </p:blipFill>
         <p:spPr>
           <a:xfrm>
-            <a:off x="1152890" y="1810190"/>
-            <a:ext cx="4976242" cy="3732182"/>
+            <a:off x="957448" y="1964757"/>
+            <a:ext cx="5742600" cy="3575000"/>
           </a:xfrm>
           <a:prstGeom prst="rect">
             <a:avLst/>
@@ -6141,10 +6313,10 @@
       </p:pic>
       <p:pic>
         <p:nvPicPr>
-          <p:cNvPr id="10" name="Imagen 9" descr="Imagen que contiene interior, monitor, laptop, computadora&#10;&#10;Descripción generada automáticamente">
+          <p:cNvPr id="11" name="Picture 10">
             <a:extLst>
               <a:ext uri="{FF2B5EF4-FFF2-40B4-BE49-F238E27FC236}">
-                <a16:creationId xmlns:a16="http://schemas.microsoft.com/office/drawing/2014/main" id="{EC428F92-BA89-485A-A7C4-517CDB3767F4}"/>
+                <a16:creationId xmlns:a16="http://schemas.microsoft.com/office/drawing/2014/main" id="{B7895094-7F3E-4830-8016-175F4A5BB617}"/>
               </a:ext>
             </a:extLst>
           </p:cNvPr>
@@ -6167,8 +6339,8 @@
         </p:blipFill>
         <p:spPr>
           <a:xfrm>
-            <a:off x="6007733" y="2369648"/>
-            <a:ext cx="4992285" cy="3744214"/>
+            <a:off x="7232643" y="774613"/>
+            <a:ext cx="3970397" cy="5354812"/>
           </a:xfrm>
           <a:prstGeom prst="rect">
             <a:avLst/>
@@ -6218,7 +6390,7 @@
 </p:sld>
 </file>
 
-<file path=ppt/slides/slide21.xml><?xml version="1.0" encoding="utf-8"?>
+<file path=ppt/slides/slide22.xml><?xml version="1.0" encoding="utf-8"?>
 <p:sld xmlns:a="http://schemas.openxmlformats.org/drawingml/2006/main" xmlns:r="http://schemas.openxmlformats.org/officeDocument/2006/relationships" xmlns:p="http://schemas.openxmlformats.org/presentationml/2006/main">
   <p:cSld>
     <p:spTree>
@@ -6349,7 +6521,7 @@
           <a:p>
             <a:r>
               <a:rPr lang="es-AR" dirty="0"/>
-              <a:t>Progreso del MVP (Demo).</a:t>
+              <a:t>Progreso de la Demo.</a:t>
             </a:r>
           </a:p>
           <a:p>
@@ -6358,7 +6530,7 @@
           <a:p>
             <a:r>
               <a:rPr lang="es-AR" dirty="0"/>
-              <a:t>Progreso del Producto.</a:t>
+              <a:t>Progreso del MVP.</a:t>
             </a:r>
           </a:p>
         </p:txBody>
@@ -6406,7 +6578,7 @@
 </p:sld>
 </file>
 
-<file path=ppt/slides/slide22.xml><?xml version="1.0" encoding="utf-8"?>
+<file path=ppt/slides/slide23.xml><?xml version="1.0" encoding="utf-8"?>
 <p:sld xmlns:a="http://schemas.openxmlformats.org/drawingml/2006/main" xmlns:r="http://schemas.openxmlformats.org/officeDocument/2006/relationships" xmlns:p="http://schemas.openxmlformats.org/presentationml/2006/main">
   <p:cSld>
     <p:spTree>
@@ -6611,7 +6783,7 @@
 </p:sld>
 </file>
 
-<file path=ppt/slides/slide23.xml><?xml version="1.0" encoding="utf-8"?>
+<file path=ppt/slides/slide24.xml><?xml version="1.0" encoding="utf-8"?>
 <p:sld xmlns:a="http://schemas.openxmlformats.org/drawingml/2006/main" xmlns:r="http://schemas.openxmlformats.org/officeDocument/2006/relationships" xmlns:p="http://schemas.openxmlformats.org/presentationml/2006/main">
   <p:cSld>
     <p:spTree>
@@ -8049,7 +8221,7 @@
         </p:blipFill>
         <p:spPr>
           <a:xfrm rot="5400000">
-            <a:off x="835648" y="-1762076"/>
+            <a:off x="791259" y="-1762076"/>
             <a:ext cx="9625263" cy="13125359"/>
           </a:xfrm>
           <a:prstGeom prst="rect">
@@ -8405,7 +8577,7 @@
             </a:pPr>
             <a:r>
               <a:rPr lang="es-AR" sz="3200" dirty="0"/>
-              <a:t>Costos de desarrollo</a:t>
+              <a:t>Factibilidad operacional</a:t>
             </a:r>
           </a:p>
           <a:p>
@@ -8422,7 +8594,7 @@
             </a:pPr>
             <a:r>
               <a:rPr lang="es-AR" sz="3200" dirty="0"/>
-              <a:t>Costos por licencias</a:t>
+              <a:t>Factibilidad técnica</a:t>
             </a:r>
           </a:p>
           <a:p>
@@ -8439,7 +8611,7 @@
             </a:pPr>
             <a:r>
               <a:rPr lang="es-AR" sz="3200" dirty="0"/>
-              <a:t>Rentabilidad</a:t>
+              <a:t>Factibilidad económica</a:t>
             </a:r>
           </a:p>
           <a:p>
@@ -8511,10 +8683,10 @@
       </p:grpSpPr>
       <p:pic>
         <p:nvPicPr>
-          <p:cNvPr id="8" name="Picture 3">
+          <p:cNvPr id="9" name="Picture 3">
             <a:extLst>
               <a:ext uri="{FF2B5EF4-FFF2-40B4-BE49-F238E27FC236}">
-                <a16:creationId xmlns:a16="http://schemas.microsoft.com/office/drawing/2014/main" id="{B4619BE7-911B-4C0D-AAFF-3F44D8E3525E}"/>
+                <a16:creationId xmlns:a16="http://schemas.microsoft.com/office/drawing/2014/main" id="{421F1106-3715-40AF-A025-F3F6C2038D6E}"/>
               </a:ext>
             </a:extLst>
           </p:cNvPr>
@@ -8636,8 +8808,8 @@
         </p:nvSpPr>
         <p:spPr>
           <a:xfrm>
-            <a:off x="646111" y="220344"/>
-            <a:ext cx="10707688" cy="1239283"/>
+            <a:off x="646111" y="365125"/>
+            <a:ext cx="9889368" cy="1559928"/>
           </a:xfrm>
           <a:prstGeom prst="rect">
             <a:avLst/>
@@ -8645,7 +8817,7 @@
         </p:spPr>
         <p:txBody>
           <a:bodyPr vert="horz" lIns="91440" tIns="45720" rIns="91440" bIns="45720" rtlCol="0" anchor="b">
-            <a:normAutofit/>
+            <a:normAutofit lnSpcReduction="10000"/>
           </a:bodyPr>
           <a:lstStyle>
             <a:lvl1pPr algn="ctr" defTabSz="914400" rtl="0" eaLnBrk="1" latinLnBrk="0" hangingPunct="1">
@@ -8667,22 +8839,31 @@
             </a:lvl1pPr>
           </a:lstStyle>
           <a:p>
-            <a:pPr algn="l">
-              <a:lnSpc>
-                <a:spcPct val="70000"/>
-              </a:lnSpc>
-            </a:pPr>
-            <a:r>
-              <a:rPr lang="es-AR" sz="5200" dirty="0">
+            <a:pPr algn="l"/>
+            <a:r>
+              <a:rPr lang="es-AR" sz="5600" dirty="0">
                 <a:solidFill>
                   <a:srgbClr val="C77C0E"/>
                 </a:solidFill>
                 <a:latin typeface="Calibri Light" panose="020F0302020204030204" pitchFamily="34" charset="0"/>
                 <a:cs typeface="Calibri Light" panose="020F0302020204030204" pitchFamily="34" charset="0"/>
               </a:rPr>
-              <a:t>Estimación de Ganancias</a:t>
-            </a:r>
-            <a:endParaRPr lang="en-US" sz="5200" dirty="0">
+              <a:t>Costos del mercado</a:t>
+            </a:r>
+          </a:p>
+          <a:p>
+            <a:pPr algn="l"/>
+            <a:r>
+              <a:rPr lang="es-AR" sz="5600" dirty="0">
+                <a:solidFill>
+                  <a:srgbClr val="C77C0E"/>
+                </a:solidFill>
+                <a:latin typeface="Calibri Light" panose="020F0302020204030204" pitchFamily="34" charset="0"/>
+                <a:cs typeface="Calibri Light" panose="020F0302020204030204" pitchFamily="34" charset="0"/>
+              </a:rPr>
+              <a:t>y Factibilidad </a:t>
+            </a:r>
+            <a:endParaRPr lang="en-US" sz="5600" dirty="0">
               <a:solidFill>
                 <a:srgbClr val="C77C0E"/>
               </a:solidFill>
@@ -8692,34 +8873,276 @@
           </a:p>
         </p:txBody>
       </p:sp>
-      <p:pic>
-        <p:nvPicPr>
-          <p:cNvPr id="2" name="Picture 1"/>
-          <p:cNvPicPr>
-            <a:picLocks noChangeAspect="1"/>
-          </p:cNvPicPr>
-          <p:nvPr/>
-        </p:nvPicPr>
-        <p:blipFill>
-          <a:blip r:embed="rId4"/>
-          <a:stretch>
-            <a:fillRect/>
-          </a:stretch>
-        </p:blipFill>
-        <p:spPr>
-          <a:xfrm>
-            <a:off x="2402575" y="1641613"/>
-            <a:ext cx="7386848" cy="4602169"/>
-          </a:xfrm>
-          <a:prstGeom prst="rect">
-            <a:avLst/>
-          </a:prstGeom>
-        </p:spPr>
-      </p:pic>
+      <p:sp>
+        <p:nvSpPr>
+          <p:cNvPr id="8" name="Content Placeholder 2"/>
+          <p:cNvSpPr txBox="1">
+            <a:spLocks/>
+          </p:cNvSpPr>
+          <p:nvPr/>
+        </p:nvSpPr>
+        <p:spPr>
+          <a:xfrm>
+            <a:off x="646111" y="2340090"/>
+            <a:ext cx="9332803" cy="3903692"/>
+          </a:xfrm>
+          <a:prstGeom prst="rect">
+            <a:avLst/>
+          </a:prstGeom>
+        </p:spPr>
+        <p:txBody>
+          <a:bodyPr vert="horz" lIns="91440" tIns="45720" rIns="91440" bIns="45720" rtlCol="0">
+            <a:normAutofit/>
+          </a:bodyPr>
+          <a:lstStyle>
+            <a:lvl1pPr marL="0" indent="0" algn="ctr" defTabSz="914400" rtl="0" eaLnBrk="1" latinLnBrk="0" hangingPunct="1">
+              <a:lnSpc>
+                <a:spcPct val="90000"/>
+              </a:lnSpc>
+              <a:spcBef>
+                <a:spcPts val="1000"/>
+              </a:spcBef>
+              <a:buFont typeface="Arial" panose="020B0604020202020204" pitchFamily="34" charset="0"/>
+              <a:buNone/>
+              <a:defRPr sz="2400" kern="1200">
+                <a:solidFill>
+                  <a:schemeClr val="tx1"/>
+                </a:solidFill>
+                <a:latin typeface="+mn-lt"/>
+                <a:ea typeface="+mn-ea"/>
+                <a:cs typeface="+mn-cs"/>
+              </a:defRPr>
+            </a:lvl1pPr>
+            <a:lvl2pPr marL="457200" indent="0" algn="ctr" defTabSz="914400" rtl="0" eaLnBrk="1" latinLnBrk="0" hangingPunct="1">
+              <a:lnSpc>
+                <a:spcPct val="90000"/>
+              </a:lnSpc>
+              <a:spcBef>
+                <a:spcPts val="500"/>
+              </a:spcBef>
+              <a:buFont typeface="Arial" panose="020B0604020202020204" pitchFamily="34" charset="0"/>
+              <a:buNone/>
+              <a:defRPr sz="2000" kern="1200">
+                <a:solidFill>
+                  <a:schemeClr val="tx1"/>
+                </a:solidFill>
+                <a:latin typeface="+mn-lt"/>
+                <a:ea typeface="+mn-ea"/>
+                <a:cs typeface="+mn-cs"/>
+              </a:defRPr>
+            </a:lvl2pPr>
+            <a:lvl3pPr marL="914400" indent="0" algn="ctr" defTabSz="914400" rtl="0" eaLnBrk="1" latinLnBrk="0" hangingPunct="1">
+              <a:lnSpc>
+                <a:spcPct val="90000"/>
+              </a:lnSpc>
+              <a:spcBef>
+                <a:spcPts val="500"/>
+              </a:spcBef>
+              <a:buFont typeface="Arial" panose="020B0604020202020204" pitchFamily="34" charset="0"/>
+              <a:buNone/>
+              <a:defRPr sz="1800" kern="1200">
+                <a:solidFill>
+                  <a:schemeClr val="tx1"/>
+                </a:solidFill>
+                <a:latin typeface="+mn-lt"/>
+                <a:ea typeface="+mn-ea"/>
+                <a:cs typeface="+mn-cs"/>
+              </a:defRPr>
+            </a:lvl3pPr>
+            <a:lvl4pPr marL="1371600" indent="0" algn="ctr" defTabSz="914400" rtl="0" eaLnBrk="1" latinLnBrk="0" hangingPunct="1">
+              <a:lnSpc>
+                <a:spcPct val="90000"/>
+              </a:lnSpc>
+              <a:spcBef>
+                <a:spcPts val="500"/>
+              </a:spcBef>
+              <a:buFont typeface="Arial" panose="020B0604020202020204" pitchFamily="34" charset="0"/>
+              <a:buNone/>
+              <a:defRPr sz="1600" kern="1200">
+                <a:solidFill>
+                  <a:schemeClr val="tx1"/>
+                </a:solidFill>
+                <a:latin typeface="+mn-lt"/>
+                <a:ea typeface="+mn-ea"/>
+                <a:cs typeface="+mn-cs"/>
+              </a:defRPr>
+            </a:lvl4pPr>
+            <a:lvl5pPr marL="1828800" indent="0" algn="ctr" defTabSz="914400" rtl="0" eaLnBrk="1" latinLnBrk="0" hangingPunct="1">
+              <a:lnSpc>
+                <a:spcPct val="90000"/>
+              </a:lnSpc>
+              <a:spcBef>
+                <a:spcPts val="500"/>
+              </a:spcBef>
+              <a:buFont typeface="Arial" panose="020B0604020202020204" pitchFamily="34" charset="0"/>
+              <a:buNone/>
+              <a:defRPr sz="1600" kern="1200">
+                <a:solidFill>
+                  <a:schemeClr val="tx1"/>
+                </a:solidFill>
+                <a:latin typeface="+mn-lt"/>
+                <a:ea typeface="+mn-ea"/>
+                <a:cs typeface="+mn-cs"/>
+              </a:defRPr>
+            </a:lvl5pPr>
+            <a:lvl6pPr marL="2286000" indent="0" algn="ctr" defTabSz="914400" rtl="0" eaLnBrk="1" latinLnBrk="0" hangingPunct="1">
+              <a:lnSpc>
+                <a:spcPct val="90000"/>
+              </a:lnSpc>
+              <a:spcBef>
+                <a:spcPts val="500"/>
+              </a:spcBef>
+              <a:buFont typeface="Arial" panose="020B0604020202020204" pitchFamily="34" charset="0"/>
+              <a:buNone/>
+              <a:defRPr sz="1600" kern="1200">
+                <a:solidFill>
+                  <a:schemeClr val="tx1"/>
+                </a:solidFill>
+                <a:latin typeface="+mn-lt"/>
+                <a:ea typeface="+mn-ea"/>
+                <a:cs typeface="+mn-cs"/>
+              </a:defRPr>
+            </a:lvl6pPr>
+            <a:lvl7pPr marL="2743200" indent="0" algn="ctr" defTabSz="914400" rtl="0" eaLnBrk="1" latinLnBrk="0" hangingPunct="1">
+              <a:lnSpc>
+                <a:spcPct val="90000"/>
+              </a:lnSpc>
+              <a:spcBef>
+                <a:spcPts val="500"/>
+              </a:spcBef>
+              <a:buFont typeface="Arial" panose="020B0604020202020204" pitchFamily="34" charset="0"/>
+              <a:buNone/>
+              <a:defRPr sz="1600" kern="1200">
+                <a:solidFill>
+                  <a:schemeClr val="tx1"/>
+                </a:solidFill>
+                <a:latin typeface="+mn-lt"/>
+                <a:ea typeface="+mn-ea"/>
+                <a:cs typeface="+mn-cs"/>
+              </a:defRPr>
+            </a:lvl7pPr>
+            <a:lvl8pPr marL="3200400" indent="0" algn="ctr" defTabSz="914400" rtl="0" eaLnBrk="1" latinLnBrk="0" hangingPunct="1">
+              <a:lnSpc>
+                <a:spcPct val="90000"/>
+              </a:lnSpc>
+              <a:spcBef>
+                <a:spcPts val="500"/>
+              </a:spcBef>
+              <a:buFont typeface="Arial" panose="020B0604020202020204" pitchFamily="34" charset="0"/>
+              <a:buNone/>
+              <a:defRPr sz="1600" kern="1200">
+                <a:solidFill>
+                  <a:schemeClr val="tx1"/>
+                </a:solidFill>
+                <a:latin typeface="+mn-lt"/>
+                <a:ea typeface="+mn-ea"/>
+                <a:cs typeface="+mn-cs"/>
+              </a:defRPr>
+            </a:lvl8pPr>
+            <a:lvl9pPr marL="3657600" indent="0" algn="ctr" defTabSz="914400" rtl="0" eaLnBrk="1" latinLnBrk="0" hangingPunct="1">
+              <a:lnSpc>
+                <a:spcPct val="90000"/>
+              </a:lnSpc>
+              <a:spcBef>
+                <a:spcPts val="500"/>
+              </a:spcBef>
+              <a:buFont typeface="Arial" panose="020B0604020202020204" pitchFamily="34" charset="0"/>
+              <a:buNone/>
+              <a:defRPr sz="1600" kern="1200">
+                <a:solidFill>
+                  <a:schemeClr val="tx1"/>
+                </a:solidFill>
+                <a:latin typeface="+mn-lt"/>
+                <a:ea typeface="+mn-ea"/>
+                <a:cs typeface="+mn-cs"/>
+              </a:defRPr>
+            </a:lvl9pPr>
+          </a:lstStyle>
+          <a:p>
+            <a:pPr marL="342900" indent="-342900" algn="l">
+              <a:buFont typeface="Arial" panose="020B0604020202020204" pitchFamily="34" charset="0"/>
+              <a:buChar char="•"/>
+            </a:pPr>
+            <a:r>
+              <a:rPr lang="es-AR" sz="3200" dirty="0"/>
+              <a:t>Costos de desarrollo</a:t>
+            </a:r>
+          </a:p>
+          <a:p>
+            <a:pPr marL="342900" indent="-342900" algn="l">
+              <a:buFont typeface="Arial" panose="020B0604020202020204" pitchFamily="34" charset="0"/>
+              <a:buChar char="•"/>
+            </a:pPr>
+            <a:endParaRPr lang="es-AR" sz="3200" dirty="0"/>
+          </a:p>
+          <a:p>
+            <a:pPr marL="342900" indent="-342900" algn="l">
+              <a:buFont typeface="Arial" panose="020B0604020202020204" pitchFamily="34" charset="0"/>
+              <a:buChar char="•"/>
+            </a:pPr>
+            <a:r>
+              <a:rPr lang="es-AR" sz="3200" dirty="0"/>
+              <a:t>Costos por licencias</a:t>
+            </a:r>
+          </a:p>
+          <a:p>
+            <a:pPr marL="342900" indent="-342900" algn="l">
+              <a:buFont typeface="Arial" panose="020B0604020202020204" pitchFamily="34" charset="0"/>
+              <a:buChar char="•"/>
+            </a:pPr>
+            <a:endParaRPr lang="es-AR" sz="3200" dirty="0"/>
+          </a:p>
+          <a:p>
+            <a:pPr marL="342900" indent="-342900" algn="l">
+              <a:buFont typeface="Arial" panose="020B0604020202020204" pitchFamily="34" charset="0"/>
+              <a:buChar char="•"/>
+            </a:pPr>
+            <a:r>
+              <a:rPr lang="es-AR" sz="3200" dirty="0"/>
+              <a:t>Rentabilidad</a:t>
+            </a:r>
+          </a:p>
+          <a:p>
+            <a:pPr marL="342900" indent="-342900" algn="l">
+              <a:buFont typeface="Arial" panose="020B0604020202020204" pitchFamily="34" charset="0"/>
+              <a:buChar char="•"/>
+            </a:pPr>
+            <a:endParaRPr lang="es-AR" dirty="0"/>
+          </a:p>
+          <a:p>
+            <a:pPr marL="342900" indent="-342900" algn="l">
+              <a:buFont typeface="Arial" panose="020B0604020202020204" pitchFamily="34" charset="0"/>
+              <a:buChar char="•"/>
+            </a:pPr>
+            <a:endParaRPr lang="es-AR" dirty="0"/>
+          </a:p>
+          <a:p>
+            <a:pPr marL="342900" indent="-342900" algn="l">
+              <a:buFont typeface="Arial" panose="020B0604020202020204" pitchFamily="34" charset="0"/>
+              <a:buChar char="•"/>
+            </a:pPr>
+            <a:endParaRPr lang="es-AR" dirty="0"/>
+          </a:p>
+          <a:p>
+            <a:pPr marL="342900" indent="-342900" algn="l">
+              <a:buFont typeface="Arial" panose="020B0604020202020204" pitchFamily="34" charset="0"/>
+              <a:buChar char="•"/>
+            </a:pPr>
+            <a:endParaRPr lang="es-AR" dirty="0"/>
+          </a:p>
+          <a:p>
+            <a:pPr marL="342900" indent="-342900" algn="l">
+              <a:buFont typeface="Arial" panose="020B0604020202020204" pitchFamily="34" charset="0"/>
+              <a:buChar char="•"/>
+            </a:pPr>
+            <a:endParaRPr lang="en-US" dirty="0"/>
+          </a:p>
+        </p:txBody>
+      </p:sp>
     </p:spTree>
     <p:extLst>
       <p:ext uri="{BB962C8B-B14F-4D97-AF65-F5344CB8AC3E}">
-        <p14:creationId xmlns:p14="http://schemas.microsoft.com/office/powerpoint/2010/main" val="1193913422"/>
+        <p14:creationId xmlns:p14="http://schemas.microsoft.com/office/powerpoint/2010/main" val="3364101683"/>
       </p:ext>
     </p:extLst>
   </p:cSld>
@@ -8751,7 +9174,7 @@
           <p:cNvPr id="8" name="Picture 3">
             <a:extLst>
               <a:ext uri="{FF2B5EF4-FFF2-40B4-BE49-F238E27FC236}">
-                <a16:creationId xmlns:a16="http://schemas.microsoft.com/office/drawing/2014/main" id="{0571B662-43FF-4F0D-BB32-D722512D5E1D}"/>
+                <a16:creationId xmlns:a16="http://schemas.microsoft.com/office/drawing/2014/main" id="{B4619BE7-911B-4C0D-AAFF-3F44D8E3525E}"/>
               </a:ext>
             </a:extLst>
           </p:cNvPr>
@@ -8863,9 +9286,75 @@
           </a:p>
         </p:txBody>
       </p:sp>
+      <p:sp>
+        <p:nvSpPr>
+          <p:cNvPr id="6" name="Title 1"/>
+          <p:cNvSpPr txBox="1">
+            <a:spLocks/>
+          </p:cNvSpPr>
+          <p:nvPr/>
+        </p:nvSpPr>
+        <p:spPr>
+          <a:xfrm>
+            <a:off x="646111" y="220344"/>
+            <a:ext cx="10707688" cy="1239283"/>
+          </a:xfrm>
+          <a:prstGeom prst="rect">
+            <a:avLst/>
+          </a:prstGeom>
+        </p:spPr>
+        <p:txBody>
+          <a:bodyPr vert="horz" lIns="91440" tIns="45720" rIns="91440" bIns="45720" rtlCol="0" anchor="b">
+            <a:normAutofit/>
+          </a:bodyPr>
+          <a:lstStyle>
+            <a:lvl1pPr algn="ctr" defTabSz="914400" rtl="0" eaLnBrk="1" latinLnBrk="0" hangingPunct="1">
+              <a:lnSpc>
+                <a:spcPct val="90000"/>
+              </a:lnSpc>
+              <a:spcBef>
+                <a:spcPct val="0"/>
+              </a:spcBef>
+              <a:buNone/>
+              <a:defRPr sz="6000" kern="1200">
+                <a:solidFill>
+                  <a:schemeClr val="tx1"/>
+                </a:solidFill>
+                <a:latin typeface="+mj-lt"/>
+                <a:ea typeface="+mj-ea"/>
+                <a:cs typeface="+mj-cs"/>
+              </a:defRPr>
+            </a:lvl1pPr>
+          </a:lstStyle>
+          <a:p>
+            <a:pPr algn="l">
+              <a:lnSpc>
+                <a:spcPct val="70000"/>
+              </a:lnSpc>
+            </a:pPr>
+            <a:r>
+              <a:rPr lang="es-AR" sz="5200" dirty="0">
+                <a:solidFill>
+                  <a:srgbClr val="C77C0E"/>
+                </a:solidFill>
+                <a:latin typeface="Calibri Light" panose="020F0302020204030204" pitchFamily="34" charset="0"/>
+                <a:cs typeface="Calibri Light" panose="020F0302020204030204" pitchFamily="34" charset="0"/>
+              </a:rPr>
+              <a:t>Estimación de Ganancias</a:t>
+            </a:r>
+            <a:endParaRPr lang="en-US" sz="5200" dirty="0">
+              <a:solidFill>
+                <a:srgbClr val="C77C0E"/>
+              </a:solidFill>
+              <a:latin typeface="Calibri Light" panose="020F0302020204030204" pitchFamily="34" charset="0"/>
+              <a:cs typeface="Calibri Light" panose="020F0302020204030204" pitchFamily="34" charset="0"/>
+            </a:endParaRPr>
+          </a:p>
+        </p:txBody>
+      </p:sp>
       <p:pic>
         <p:nvPicPr>
-          <p:cNvPr id="3" name="Picture 2"/>
+          <p:cNvPr id="2" name="Picture 1"/>
           <p:cNvPicPr>
             <a:picLocks noChangeAspect="1"/>
           </p:cNvPicPr>
@@ -8879,8 +9368,8 @@
         </p:blipFill>
         <p:spPr>
           <a:xfrm>
-            <a:off x="2463879" y="1365678"/>
-            <a:ext cx="7264240" cy="4878104"/>
+            <a:off x="2402575" y="1641613"/>
+            <a:ext cx="7386848" cy="4602169"/>
           </a:xfrm>
           <a:prstGeom prst="rect">
             <a:avLst/>
@@ -8890,7 +9379,7 @@
     </p:spTree>
     <p:extLst>
       <p:ext uri="{BB962C8B-B14F-4D97-AF65-F5344CB8AC3E}">
-        <p14:creationId xmlns:p14="http://schemas.microsoft.com/office/powerpoint/2010/main" val="650837601"/>
+        <p14:creationId xmlns:p14="http://schemas.microsoft.com/office/powerpoint/2010/main" val="1193913422"/>
       </p:ext>
     </p:extLst>
   </p:cSld>
